--- a/PPT/MachineLearning15-RandomForest.pptx
+++ b/PPT/MachineLearning15-RandomForest.pptx
@@ -3705,8 +3705,13 @@
             <a:pPr eaLnBrk="1" hangingPunct="1"/>
             <a:r>
               <a:rPr lang="fr-FR" altLang="fr-FR" dirty="0" smtClean="0"/>
-              <a:t>Chapitre 7</a:t>
-            </a:r>
+              <a:t>Chapitre </a:t>
+            </a:r>
+            <a:r>
+              <a:rPr lang="fr-FR" altLang="fr-FR" dirty="0" smtClean="0"/>
+              <a:t>15</a:t>
+            </a:r>
+            <a:endParaRPr lang="fr-FR" altLang="fr-FR" dirty="0" smtClean="0"/>
           </a:p>
           <a:p>
             <a:pPr eaLnBrk="1" hangingPunct="1"/>
@@ -4690,6 +4695,13 @@
   <p:clrMapOvr>
     <a:masterClrMapping/>
   </p:clrMapOvr>
+  <p:timing>
+    <p:tnLst>
+      <p:par>
+        <p:cTn id="1" dur="indefinite" restart="never" nodeType="tmRoot"/>
+      </p:par>
+    </p:tnLst>
+  </p:timing>
 </p:sld>
 </file>
 
@@ -4820,6 +4832,13 @@
   <p:clrMapOvr>
     <a:masterClrMapping/>
   </p:clrMapOvr>
+  <p:timing>
+    <p:tnLst>
+      <p:par>
+        <p:cTn id="1" dur="indefinite" restart="never" nodeType="tmRoot"/>
+      </p:par>
+    </p:tnLst>
+  </p:timing>
 </p:sld>
 </file>
 
@@ -5063,6 +5082,13 @@
   <p:clrMapOvr>
     <a:masterClrMapping/>
   </p:clrMapOvr>
+  <p:timing>
+    <p:tnLst>
+      <p:par>
+        <p:cTn id="1" dur="indefinite" restart="never" nodeType="tmRoot"/>
+      </p:par>
+    </p:tnLst>
+  </p:timing>
 </p:sld>
 </file>
 
@@ -5235,6 +5261,13 @@
   <p:clrMapOvr>
     <a:masterClrMapping/>
   </p:clrMapOvr>
+  <p:timing>
+    <p:tnLst>
+      <p:par>
+        <p:cTn id="1" dur="indefinite" restart="never" nodeType="tmRoot"/>
+      </p:par>
+    </p:tnLst>
+  </p:timing>
 </p:sld>
 </file>
 
@@ -5335,6 +5368,13 @@
   <p:clrMapOvr>
     <a:masterClrMapping/>
   </p:clrMapOvr>
+  <p:timing>
+    <p:tnLst>
+      <p:par>
+        <p:cTn id="1" dur="indefinite" restart="never" nodeType="tmRoot"/>
+      </p:par>
+    </p:tnLst>
+  </p:timing>
 </p:sld>
 </file>
 
@@ -5433,6 +5473,13 @@
   <p:clrMapOvr>
     <a:masterClrMapping/>
   </p:clrMapOvr>
+  <p:timing>
+    <p:tnLst>
+      <p:par>
+        <p:cTn id="1" dur="indefinite" restart="never" nodeType="tmRoot"/>
+      </p:par>
+    </p:tnLst>
+  </p:timing>
 </p:sld>
 </file>
 
@@ -5558,6 +5605,13 @@
   <p:clrMapOvr>
     <a:masterClrMapping/>
   </p:clrMapOvr>
+  <p:timing>
+    <p:tnLst>
+      <p:par>
+        <p:cTn id="1" dur="indefinite" restart="never" nodeType="tmRoot"/>
+      </p:par>
+    </p:tnLst>
+  </p:timing>
 </p:sld>
 </file>
 
@@ -5746,6 +5800,13 @@
   <p:clrMapOvr>
     <a:masterClrMapping/>
   </p:clrMapOvr>
+  <p:timing>
+    <p:tnLst>
+      <p:par>
+        <p:cTn id="1" dur="indefinite" restart="never" nodeType="tmRoot"/>
+      </p:par>
+    </p:tnLst>
+  </p:timing>
 </p:sld>
 </file>
 
@@ -5847,6 +5908,13 @@
   <p:clrMapOvr>
     <a:masterClrMapping/>
   </p:clrMapOvr>
+  <p:timing>
+    <p:tnLst>
+      <p:par>
+        <p:cTn id="1" dur="indefinite" restart="never" nodeType="tmRoot"/>
+      </p:par>
+    </p:tnLst>
+  </p:timing>
 </p:sld>
 </file>
 
@@ -5987,6 +6055,13 @@
   <p:clrMapOvr>
     <a:masterClrMapping/>
   </p:clrMapOvr>
+  <p:timing>
+    <p:tnLst>
+      <p:par>
+        <p:cTn id="1" dur="indefinite" restart="never" nodeType="tmRoot"/>
+      </p:par>
+    </p:tnLst>
+  </p:timing>
 </p:sld>
 </file>
 
@@ -6100,6 +6175,13 @@
   <p:clrMapOvr>
     <a:masterClrMapping/>
   </p:clrMapOvr>
+  <p:timing>
+    <p:tnLst>
+      <p:par>
+        <p:cTn id="1" dur="indefinite" restart="never" nodeType="tmRoot"/>
+      </p:par>
+    </p:tnLst>
+  </p:timing>
 </p:sld>
 </file>
 
@@ -6219,6 +6301,13 @@
   <p:clrMapOvr>
     <a:masterClrMapping/>
   </p:clrMapOvr>
+  <p:timing>
+    <p:tnLst>
+      <p:par>
+        <p:cTn id="1" dur="indefinite" restart="never" nodeType="tmRoot"/>
+      </p:par>
+    </p:tnLst>
+  </p:timing>
 </p:sld>
 </file>
 
@@ -6318,6 +6407,13 @@
   <p:clrMapOvr>
     <a:masterClrMapping/>
   </p:clrMapOvr>
+  <p:timing>
+    <p:tnLst>
+      <p:par>
+        <p:cTn id="1" dur="indefinite" restart="never" nodeType="tmRoot"/>
+      </p:par>
+    </p:tnLst>
+  </p:timing>
 </p:sld>
 </file>
 

--- a/PPT/MachineLearning15-RandomForest.pptx
+++ b/PPT/MachineLearning15-RandomForest.pptx
@@ -3705,13 +3705,8 @@
             <a:pPr eaLnBrk="1" hangingPunct="1"/>
             <a:r>
               <a:rPr lang="fr-FR" altLang="fr-FR" dirty="0" smtClean="0"/>
-              <a:t>Chapitre </a:t>
-            </a:r>
-            <a:r>
-              <a:rPr lang="fr-FR" altLang="fr-FR" dirty="0" smtClean="0"/>
-              <a:t>15</a:t>
-            </a:r>
-            <a:endParaRPr lang="fr-FR" altLang="fr-FR" dirty="0" smtClean="0"/>
+              <a:t>Chapitre 15</a:t>
+            </a:r>
           </a:p>
           <a:p>
             <a:pPr eaLnBrk="1" hangingPunct="1"/>
@@ -5197,7 +5192,11 @@
             </a:r>
             <a:r>
               <a:rPr lang="en-US" dirty="0" smtClean="0"/>
-              <a:t>(kernel=“polynomial”)</a:t>
+              <a:t>(kernel=“</a:t>
+            </a:r>
+            <a:r>
+              <a:rPr lang="en-US" dirty="0" smtClean="0"/>
+              <a:t>poly”)</a:t>
             </a:r>
             <a:endParaRPr lang="en-US" dirty="0"/>
           </a:p>
@@ -5327,8 +5326,8 @@
           <a:lstStyle/>
           <a:p>
             <a:r>
-              <a:rPr lang="fr-FR" smtClean="0"/>
-              <a:t>15_multioutput_face_completion.py</a:t>
+              <a:rPr lang="fr-FR" dirty="0" smtClean="0"/>
+              <a:t>multioutput_face_completion.py</a:t>
             </a:r>
             <a:endParaRPr lang="fr-FR" dirty="0"/>
           </a:p>

--- a/PPT/MachineLearning15-RandomForest.pptx
+++ b/PPT/MachineLearning15-RandomForest.pptx
@@ -5,10 +5,10 @@
     <p:sldMasterId id="2147483653" r:id="rId1"/>
   </p:sldMasterIdLst>
   <p:notesMasterIdLst>
-    <p:notesMasterId r:id="rId19"/>
+    <p:notesMasterId r:id="rId15"/>
   </p:notesMasterIdLst>
   <p:handoutMasterIdLst>
-    <p:handoutMasterId r:id="rId20"/>
+    <p:handoutMasterId r:id="rId16"/>
   </p:handoutMasterIdLst>
   <p:sldIdLst>
     <p:sldId id="264" r:id="rId2"/>
@@ -24,10 +24,6 @@
     <p:sldId id="283" r:id="rId12"/>
     <p:sldId id="284" r:id="rId13"/>
     <p:sldId id="281" r:id="rId14"/>
-    <p:sldId id="269" r:id="rId15"/>
-    <p:sldId id="272" r:id="rId16"/>
-    <p:sldId id="273" r:id="rId17"/>
-    <p:sldId id="276" r:id="rId18"/>
   </p:sldIdLst>
   <p:sldSz cx="9144000" cy="6858000" type="screen4x3"/>
   <p:notesSz cx="6648450" cy="9782175"/>
@@ -4684,683 +4680,6 @@
     <p:extLst>
       <p:ext uri="{BB962C8B-B14F-4D97-AF65-F5344CB8AC3E}">
         <p14:creationId xmlns:p14="http://schemas.microsoft.com/office/powerpoint/2010/main" val="4044553111"/>
-      </p:ext>
-    </p:extLst>
-  </p:cSld>
-  <p:clrMapOvr>
-    <a:masterClrMapping/>
-  </p:clrMapOvr>
-  <p:timing>
-    <p:tnLst>
-      <p:par>
-        <p:cTn id="1" dur="indefinite" restart="never" nodeType="tmRoot"/>
-      </p:par>
-    </p:tnLst>
-  </p:timing>
-</p:sld>
-</file>
-
-<file path=ppt/slides/slide14.xml><?xml version="1.0" encoding="utf-8"?>
-<p:sld xmlns:a="http://schemas.openxmlformats.org/drawingml/2006/main" xmlns:r="http://schemas.openxmlformats.org/officeDocument/2006/relationships" xmlns:p="http://schemas.openxmlformats.org/presentationml/2006/main">
-  <p:cSld>
-    <p:spTree>
-      <p:nvGrpSpPr>
-        <p:cNvPr id="1" name=""/>
-        <p:cNvGrpSpPr/>
-        <p:nvPr/>
-      </p:nvGrpSpPr>
-      <p:grpSpPr>
-        <a:xfrm>
-          <a:off x="0" y="0"/>
-          <a:ext cx="0" cy="0"/>
-          <a:chOff x="0" y="0"/>
-          <a:chExt cx="0" cy="0"/>
-        </a:xfrm>
-      </p:grpSpPr>
-      <p:sp>
-        <p:nvSpPr>
-          <p:cNvPr id="2" name="Titre 1"/>
-          <p:cNvSpPr>
-            <a:spLocks noGrp="1"/>
-          </p:cNvSpPr>
-          <p:nvPr>
-            <p:ph type="title"/>
-          </p:nvPr>
-        </p:nvSpPr>
-        <p:spPr/>
-        <p:txBody>
-          <a:bodyPr/>
-          <a:lstStyle/>
-          <a:p>
-            <a:r>
-              <a:rPr lang="fr-FR" dirty="0" smtClean="0"/>
-              <a:t>SVM</a:t>
-            </a:r>
-            <a:endParaRPr lang="fr-FR" dirty="0"/>
-          </a:p>
-        </p:txBody>
-      </p:sp>
-      <p:sp>
-        <p:nvSpPr>
-          <p:cNvPr id="3" name="Espace réservé du contenu 2"/>
-          <p:cNvSpPr>
-            <a:spLocks noGrp="1"/>
-          </p:cNvSpPr>
-          <p:nvPr>
-            <p:ph idx="1"/>
-          </p:nvPr>
-        </p:nvSpPr>
-        <p:spPr/>
-        <p:txBody>
-          <a:bodyPr/>
-          <a:lstStyle/>
-          <a:p>
-            <a:r>
-              <a:rPr lang="fr-FR" dirty="0"/>
-              <a:t>Les machines à vecteurs de </a:t>
-            </a:r>
-            <a:r>
-              <a:rPr lang="fr-FR" dirty="0" smtClean="0"/>
-              <a:t>support sont </a:t>
-            </a:r>
-            <a:r>
-              <a:rPr lang="fr-FR" dirty="0"/>
-              <a:t>un ensemble de techniques d'apprentissage supervisé destinées à résoudre des problèmes de </a:t>
-            </a:r>
-            <a:r>
-              <a:rPr lang="fr-FR" dirty="0" smtClean="0"/>
-              <a:t>discrimination</a:t>
-            </a:r>
-          </a:p>
-          <a:p>
-            <a:pPr lvl="1"/>
-            <a:r>
-              <a:rPr lang="fr-FR" dirty="0" smtClean="0"/>
-              <a:t>Les </a:t>
-            </a:r>
-            <a:r>
-              <a:rPr lang="fr-FR" dirty="0"/>
-              <a:t>SVM sont une généralisation des </a:t>
-            </a:r>
-            <a:r>
-              <a:rPr lang="fr-FR" dirty="0" err="1"/>
-              <a:t>classifieurs</a:t>
-            </a:r>
-            <a:r>
-              <a:rPr lang="fr-FR" dirty="0"/>
-              <a:t> linéaires.</a:t>
-            </a:r>
-          </a:p>
-          <a:p>
-            <a:pPr lvl="1"/>
-            <a:r>
-              <a:rPr lang="fr-FR" dirty="0" smtClean="0"/>
-              <a:t>Date </a:t>
-            </a:r>
-            <a:r>
-              <a:rPr lang="fr-FR" dirty="0"/>
-              <a:t>années 1990 à partir des considérations théoriques de Vladimir </a:t>
-            </a:r>
-            <a:r>
-              <a:rPr lang="fr-FR" dirty="0" err="1"/>
-              <a:t>Vapnik</a:t>
-            </a:r>
-            <a:r>
-              <a:rPr lang="fr-FR" dirty="0"/>
-              <a:t> sur le développement d'une théorie statistique de l'apprentissage : la théorie de </a:t>
-            </a:r>
-            <a:r>
-              <a:rPr lang="fr-FR" dirty="0" err="1" smtClean="0"/>
-              <a:t>Vapnik-Chervonenkis</a:t>
-            </a:r>
-            <a:endParaRPr lang="fr-FR" dirty="0"/>
-          </a:p>
-        </p:txBody>
-      </p:sp>
-    </p:spTree>
-    <p:extLst>
-      <p:ext uri="{BB962C8B-B14F-4D97-AF65-F5344CB8AC3E}">
-        <p14:creationId xmlns:p14="http://schemas.microsoft.com/office/powerpoint/2010/main" val="2140709624"/>
-      </p:ext>
-    </p:extLst>
-  </p:cSld>
-  <p:clrMapOvr>
-    <a:masterClrMapping/>
-  </p:clrMapOvr>
-  <p:timing>
-    <p:tnLst>
-      <p:par>
-        <p:cTn id="1" dur="indefinite" restart="never" nodeType="tmRoot"/>
-      </p:par>
-    </p:tnLst>
-  </p:timing>
-</p:sld>
-</file>
-
-<file path=ppt/slides/slide15.xml><?xml version="1.0" encoding="utf-8"?>
-<p:sld xmlns:a="http://schemas.openxmlformats.org/drawingml/2006/main" xmlns:r="http://schemas.openxmlformats.org/officeDocument/2006/relationships" xmlns:p="http://schemas.openxmlformats.org/presentationml/2006/main">
-  <p:cSld>
-    <p:spTree>
-      <p:nvGrpSpPr>
-        <p:cNvPr id="1" name=""/>
-        <p:cNvGrpSpPr/>
-        <p:nvPr/>
-      </p:nvGrpSpPr>
-      <p:grpSpPr>
-        <a:xfrm>
-          <a:off x="0" y="0"/>
-          <a:ext cx="0" cy="0"/>
-          <a:chOff x="0" y="0"/>
-          <a:chExt cx="0" cy="0"/>
-        </a:xfrm>
-      </p:grpSpPr>
-      <p:sp>
-        <p:nvSpPr>
-          <p:cNvPr id="2" name="Titre 1"/>
-          <p:cNvSpPr>
-            <a:spLocks noGrp="1"/>
-          </p:cNvSpPr>
-          <p:nvPr>
-            <p:ph type="title"/>
-          </p:nvPr>
-        </p:nvSpPr>
-        <p:spPr/>
-        <p:txBody>
-          <a:bodyPr/>
-          <a:lstStyle/>
-          <a:p>
-            <a:r>
-              <a:rPr lang="fr-FR" dirty="0" smtClean="0"/>
-              <a:t>SVM</a:t>
-            </a:r>
-            <a:endParaRPr lang="fr-FR" dirty="0"/>
-          </a:p>
-        </p:txBody>
-      </p:sp>
-      <p:sp>
-        <p:nvSpPr>
-          <p:cNvPr id="3" name="Espace réservé du contenu 2"/>
-          <p:cNvSpPr>
-            <a:spLocks noGrp="1"/>
-          </p:cNvSpPr>
-          <p:nvPr>
-            <p:ph idx="1"/>
-          </p:nvPr>
-        </p:nvSpPr>
-        <p:spPr/>
-        <p:txBody>
-          <a:bodyPr/>
-          <a:lstStyle/>
-          <a:p>
-            <a:r>
-              <a:rPr lang="fr-FR" dirty="0" smtClean="0"/>
-              <a:t>SVC est une implémentation C de SVM</a:t>
-            </a:r>
-          </a:p>
-          <a:p>
-            <a:pPr lvl="1"/>
-            <a:r>
-              <a:rPr lang="fr-FR" dirty="0" err="1"/>
-              <a:t>sklearn.svm.SVC</a:t>
-            </a:r>
-            <a:r>
-              <a:rPr lang="fr-FR" dirty="0"/>
-              <a:t>(C=1.0, </a:t>
-            </a:r>
-            <a:r>
-              <a:rPr lang="fr-FR" dirty="0" err="1"/>
-              <a:t>kernel</a:t>
-            </a:r>
-            <a:r>
-              <a:rPr lang="fr-FR" dirty="0"/>
-              <a:t>=’</a:t>
-            </a:r>
-            <a:r>
-              <a:rPr lang="fr-FR" dirty="0" err="1"/>
-              <a:t>rbf</a:t>
-            </a:r>
-            <a:r>
-              <a:rPr lang="fr-FR" dirty="0"/>
-              <a:t>’, </a:t>
-            </a:r>
-            <a:r>
-              <a:rPr lang="fr-FR" dirty="0" err="1"/>
-              <a:t>degree</a:t>
-            </a:r>
-            <a:r>
-              <a:rPr lang="fr-FR" dirty="0"/>
-              <a:t>=3, gamma=’auto’, coef0=0.0, </a:t>
-            </a:r>
-            <a:r>
-              <a:rPr lang="fr-FR" dirty="0" err="1"/>
-              <a:t>shrinking</a:t>
-            </a:r>
-            <a:r>
-              <a:rPr lang="fr-FR" dirty="0"/>
-              <a:t>=</a:t>
-            </a:r>
-            <a:r>
-              <a:rPr lang="fr-FR" dirty="0" err="1"/>
-              <a:t>True</a:t>
-            </a:r>
-            <a:r>
-              <a:rPr lang="fr-FR" dirty="0"/>
-              <a:t>, </a:t>
-            </a:r>
-            <a:r>
-              <a:rPr lang="fr-FR" dirty="0" err="1"/>
-              <a:t>probability</a:t>
-            </a:r>
-            <a:r>
-              <a:rPr lang="fr-FR" dirty="0"/>
-              <a:t>=False, </a:t>
-            </a:r>
-            <a:r>
-              <a:rPr lang="fr-FR" dirty="0" err="1"/>
-              <a:t>tol</a:t>
-            </a:r>
-            <a:r>
-              <a:rPr lang="fr-FR" dirty="0"/>
-              <a:t>=0.001, </a:t>
-            </a:r>
-            <a:r>
-              <a:rPr lang="fr-FR" dirty="0" err="1"/>
-              <a:t>cache_size</a:t>
-            </a:r>
-            <a:r>
-              <a:rPr lang="fr-FR" dirty="0"/>
-              <a:t>=200, </a:t>
-            </a:r>
-            <a:r>
-              <a:rPr lang="fr-FR" dirty="0" err="1"/>
-              <a:t>class_weight</a:t>
-            </a:r>
-            <a:r>
-              <a:rPr lang="fr-FR" dirty="0"/>
-              <a:t>=None, </a:t>
-            </a:r>
-            <a:r>
-              <a:rPr lang="fr-FR" dirty="0" err="1"/>
-              <a:t>verbose</a:t>
-            </a:r>
-            <a:r>
-              <a:rPr lang="fr-FR" dirty="0"/>
-              <a:t>=False, </a:t>
-            </a:r>
-            <a:r>
-              <a:rPr lang="fr-FR" dirty="0" err="1"/>
-              <a:t>max_iter</a:t>
-            </a:r>
-            <a:r>
-              <a:rPr lang="fr-FR" dirty="0"/>
-              <a:t>=-1, </a:t>
-            </a:r>
-            <a:r>
-              <a:rPr lang="fr-FR" dirty="0" err="1"/>
-              <a:t>decision_function_shape</a:t>
-            </a:r>
-            <a:r>
-              <a:rPr lang="fr-FR" dirty="0"/>
-              <a:t>=’</a:t>
-            </a:r>
-            <a:r>
-              <a:rPr lang="fr-FR" dirty="0" err="1"/>
-              <a:t>ovr</a:t>
-            </a:r>
-            <a:r>
-              <a:rPr lang="fr-FR" dirty="0"/>
-              <a:t>’, </a:t>
-            </a:r>
-            <a:r>
-              <a:rPr lang="fr-FR" dirty="0" err="1"/>
-              <a:t>random_state</a:t>
-            </a:r>
-            <a:r>
-              <a:rPr lang="fr-FR" dirty="0"/>
-              <a:t>=None</a:t>
-            </a:r>
-            <a:r>
-              <a:rPr lang="fr-FR" dirty="0" smtClean="0"/>
-              <a:t>)</a:t>
-            </a:r>
-          </a:p>
-          <a:p>
-            <a:r>
-              <a:rPr lang="fr-FR" dirty="0" smtClean="0"/>
-              <a:t>Exemple</a:t>
-            </a:r>
-          </a:p>
-          <a:p>
-            <a:pPr lvl="1"/>
-            <a:r>
-              <a:rPr lang="fr-FR" dirty="0" err="1"/>
-              <a:t>svm</a:t>
-            </a:r>
-            <a:r>
-              <a:rPr lang="fr-FR" dirty="0"/>
-              <a:t> = </a:t>
-            </a:r>
-            <a:r>
-              <a:rPr lang="fr-FR" dirty="0" err="1"/>
-              <a:t>sk.svm.SVC</a:t>
-            </a:r>
-            <a:r>
-              <a:rPr lang="fr-FR" dirty="0"/>
-              <a:t>(C=0.1, </a:t>
-            </a:r>
-            <a:r>
-              <a:rPr lang="fr-FR" dirty="0" err="1"/>
-              <a:t>kernel</a:t>
-            </a:r>
-            <a:r>
-              <a:rPr lang="fr-FR" dirty="0"/>
-              <a:t>='</a:t>
-            </a:r>
-            <a:r>
-              <a:rPr lang="fr-FR" dirty="0" err="1"/>
-              <a:t>linear</a:t>
-            </a:r>
-            <a:r>
-              <a:rPr lang="fr-FR" dirty="0"/>
-              <a:t>')</a:t>
-            </a:r>
-          </a:p>
-        </p:txBody>
-      </p:sp>
-    </p:spTree>
-    <p:extLst>
-      <p:ext uri="{BB962C8B-B14F-4D97-AF65-F5344CB8AC3E}">
-        <p14:creationId xmlns:p14="http://schemas.microsoft.com/office/powerpoint/2010/main" val="1019517547"/>
-      </p:ext>
-    </p:extLst>
-  </p:cSld>
-  <p:clrMapOvr>
-    <a:masterClrMapping/>
-  </p:clrMapOvr>
-  <p:timing>
-    <p:tnLst>
-      <p:par>
-        <p:cTn id="1" dur="indefinite" restart="never" nodeType="tmRoot"/>
-      </p:par>
-    </p:tnLst>
-  </p:timing>
-</p:sld>
-</file>
-
-<file path=ppt/slides/slide16.xml><?xml version="1.0" encoding="utf-8"?>
-<p:sld xmlns:a="http://schemas.openxmlformats.org/drawingml/2006/main" xmlns:r="http://schemas.openxmlformats.org/officeDocument/2006/relationships" xmlns:p="http://schemas.openxmlformats.org/presentationml/2006/main">
-  <p:cSld>
-    <p:spTree>
-      <p:nvGrpSpPr>
-        <p:cNvPr id="1" name=""/>
-        <p:cNvGrpSpPr/>
-        <p:nvPr/>
-      </p:nvGrpSpPr>
-      <p:grpSpPr>
-        <a:xfrm>
-          <a:off x="0" y="0"/>
-          <a:ext cx="0" cy="0"/>
-          <a:chOff x="0" y="0"/>
-          <a:chExt cx="0" cy="0"/>
-        </a:xfrm>
-      </p:grpSpPr>
-      <p:sp>
-        <p:nvSpPr>
-          <p:cNvPr id="2" name="Titre 1"/>
-          <p:cNvSpPr>
-            <a:spLocks noGrp="1"/>
-          </p:cNvSpPr>
-          <p:nvPr>
-            <p:ph type="title"/>
-          </p:nvPr>
-        </p:nvSpPr>
-        <p:spPr/>
-        <p:txBody>
-          <a:bodyPr/>
-          <a:lstStyle/>
-          <a:p>
-            <a:r>
-              <a:rPr lang="fr-FR" dirty="0" smtClean="0"/>
-              <a:t>SVM</a:t>
-            </a:r>
-            <a:endParaRPr lang="fr-FR" dirty="0"/>
-          </a:p>
-        </p:txBody>
-      </p:sp>
-      <p:sp>
-        <p:nvSpPr>
-          <p:cNvPr id="3" name="Espace réservé du contenu 2"/>
-          <p:cNvSpPr>
-            <a:spLocks noGrp="1"/>
-          </p:cNvSpPr>
-          <p:nvPr>
-            <p:ph idx="1"/>
-          </p:nvPr>
-        </p:nvSpPr>
-        <p:spPr/>
-        <p:txBody>
-          <a:bodyPr/>
-          <a:lstStyle/>
-          <a:p>
-            <a:r>
-              <a:rPr lang="fr-FR" dirty="0" smtClean="0"/>
-              <a:t>Support </a:t>
-            </a:r>
-            <a:r>
-              <a:rPr lang="fr-FR" dirty="0" err="1" smtClean="0"/>
-              <a:t>Vector</a:t>
-            </a:r>
-            <a:r>
-              <a:rPr lang="fr-FR" dirty="0" smtClean="0"/>
-              <a:t> Machine est une alternative à k-NN</a:t>
-            </a:r>
-          </a:p>
-          <a:p>
-            <a:pPr lvl="1"/>
-            <a:r>
-              <a:rPr lang="fr-FR" dirty="0" smtClean="0"/>
-              <a:t>Très efficace</a:t>
-            </a:r>
-          </a:p>
-          <a:p>
-            <a:pPr lvl="1"/>
-            <a:r>
-              <a:rPr lang="fr-FR" dirty="0" smtClean="0"/>
-              <a:t>Ne fournit pas de calcul d’erreur aisément</a:t>
-            </a:r>
-          </a:p>
-          <a:p>
-            <a:pPr lvl="1"/>
-            <a:r>
-              <a:rPr lang="fr-FR" dirty="0" smtClean="0"/>
-              <a:t>Les séparations des catégories peuvent être vectorielles</a:t>
-            </a:r>
-          </a:p>
-          <a:p>
-            <a:pPr lvl="1"/>
-            <a:r>
-              <a:rPr lang="en-US" dirty="0" err="1"/>
-              <a:t>clf</a:t>
-            </a:r>
-            <a:r>
-              <a:rPr lang="en-US" dirty="0"/>
-              <a:t> = </a:t>
-            </a:r>
-            <a:r>
-              <a:rPr lang="en-US" dirty="0" err="1" smtClean="0"/>
-              <a:t>svm.SVC</a:t>
-            </a:r>
-            <a:r>
-              <a:rPr lang="en-US" dirty="0" smtClean="0"/>
-              <a:t>(kernel=“</a:t>
-            </a:r>
-            <a:r>
-              <a:rPr lang="en-US" dirty="0" smtClean="0"/>
-              <a:t>poly”)</a:t>
-            </a:r>
-            <a:endParaRPr lang="en-US" dirty="0"/>
-          </a:p>
-          <a:p>
-            <a:pPr lvl="1"/>
-            <a:r>
-              <a:rPr lang="en-US" dirty="0" err="1" smtClean="0"/>
-              <a:t>clf.fit</a:t>
-            </a:r>
-            <a:r>
-              <a:rPr lang="en-US" dirty="0" smtClean="0"/>
-              <a:t>(X</a:t>
-            </a:r>
-            <a:r>
-              <a:rPr lang="en-US" dirty="0"/>
-              <a:t>, Y) </a:t>
-            </a:r>
-            <a:endParaRPr lang="fr-FR" dirty="0" smtClean="0"/>
-          </a:p>
-          <a:p>
-            <a:pPr lvl="1"/>
-            <a:endParaRPr lang="fr-FR" dirty="0" smtClean="0"/>
-          </a:p>
-          <a:p>
-            <a:pPr lvl="1"/>
-            <a:endParaRPr lang="fr-FR" dirty="0"/>
-          </a:p>
-        </p:txBody>
-      </p:sp>
-      <p:pic>
-        <p:nvPicPr>
-          <p:cNvPr id="4" name="Image 3"/>
-          <p:cNvPicPr>
-            <a:picLocks noChangeAspect="1"/>
-          </p:cNvPicPr>
-          <p:nvPr/>
-        </p:nvPicPr>
-        <p:blipFill>
-          <a:blip r:embed="rId2"/>
-          <a:stretch>
-            <a:fillRect/>
-          </a:stretch>
-        </p:blipFill>
-        <p:spPr>
-          <a:xfrm>
-            <a:off x="4499992" y="3742126"/>
-            <a:ext cx="4320480" cy="3137739"/>
-          </a:xfrm>
-          <a:prstGeom prst="rect">
-            <a:avLst/>
-          </a:prstGeom>
-        </p:spPr>
-      </p:pic>
-    </p:spTree>
-    <p:extLst>
-      <p:ext uri="{BB962C8B-B14F-4D97-AF65-F5344CB8AC3E}">
-        <p14:creationId xmlns:p14="http://schemas.microsoft.com/office/powerpoint/2010/main" val="1604631136"/>
-      </p:ext>
-    </p:extLst>
-  </p:cSld>
-  <p:clrMapOvr>
-    <a:masterClrMapping/>
-  </p:clrMapOvr>
-  <p:timing>
-    <p:tnLst>
-      <p:par>
-        <p:cTn id="1" dur="indefinite" restart="never" nodeType="tmRoot"/>
-      </p:par>
-    </p:tnLst>
-  </p:timing>
-</p:sld>
-</file>
-
-<file path=ppt/slides/slide17.xml><?xml version="1.0" encoding="utf-8"?>
-<p:sld xmlns:a="http://schemas.openxmlformats.org/drawingml/2006/main" xmlns:r="http://schemas.openxmlformats.org/officeDocument/2006/relationships" xmlns:p="http://schemas.openxmlformats.org/presentationml/2006/main">
-  <p:cSld>
-    <p:spTree>
-      <p:nvGrpSpPr>
-        <p:cNvPr id="1" name=""/>
-        <p:cNvGrpSpPr/>
-        <p:nvPr/>
-      </p:nvGrpSpPr>
-      <p:grpSpPr>
-        <a:xfrm>
-          <a:off x="0" y="0"/>
-          <a:ext cx="0" cy="0"/>
-          <a:chOff x="0" y="0"/>
-          <a:chExt cx="0" cy="0"/>
-        </a:xfrm>
-      </p:grpSpPr>
-      <p:sp>
-        <p:nvSpPr>
-          <p:cNvPr id="2" name="Titre 1"/>
-          <p:cNvSpPr>
-            <a:spLocks noGrp="1"/>
-          </p:cNvSpPr>
-          <p:nvPr>
-            <p:ph type="title"/>
-          </p:nvPr>
-        </p:nvSpPr>
-        <p:spPr/>
-        <p:txBody>
-          <a:bodyPr/>
-          <a:lstStyle/>
-          <a:p>
-            <a:r>
-              <a:rPr lang="fr-FR" dirty="0" smtClean="0"/>
-              <a:t>Comparaison des algorithmes</a:t>
-            </a:r>
-            <a:endParaRPr lang="fr-FR" dirty="0"/>
-          </a:p>
-        </p:txBody>
-      </p:sp>
-      <p:sp>
-        <p:nvSpPr>
-          <p:cNvPr id="3" name="Espace réservé du contenu 2"/>
-          <p:cNvSpPr>
-            <a:spLocks noGrp="1"/>
-          </p:cNvSpPr>
-          <p:nvPr>
-            <p:ph idx="1"/>
-          </p:nvPr>
-        </p:nvSpPr>
-        <p:spPr/>
-        <p:txBody>
-          <a:bodyPr/>
-          <a:lstStyle/>
-          <a:p>
-            <a:r>
-              <a:rPr lang="fr-FR" dirty="0" smtClean="0"/>
-              <a:t>multioutput_face_completion.py</a:t>
-            </a:r>
-            <a:endParaRPr lang="fr-FR" dirty="0"/>
-          </a:p>
-        </p:txBody>
-      </p:sp>
-      <p:pic>
-        <p:nvPicPr>
-          <p:cNvPr id="4" name="Image 3"/>
-          <p:cNvPicPr>
-            <a:picLocks noChangeAspect="1"/>
-          </p:cNvPicPr>
-          <p:nvPr/>
-        </p:nvPicPr>
-        <p:blipFill>
-          <a:blip r:embed="rId2"/>
-          <a:stretch>
-            <a:fillRect/>
-          </a:stretch>
-        </p:blipFill>
-        <p:spPr>
-          <a:xfrm>
-            <a:off x="1187624" y="1985503"/>
-            <a:ext cx="7400925" cy="4724400"/>
-          </a:xfrm>
-          <a:prstGeom prst="rect">
-            <a:avLst/>
-          </a:prstGeom>
-        </p:spPr>
-      </p:pic>
-    </p:spTree>
-    <p:extLst>
-      <p:ext uri="{BB962C8B-B14F-4D97-AF65-F5344CB8AC3E}">
-        <p14:creationId xmlns:p14="http://schemas.microsoft.com/office/powerpoint/2010/main" val="287959323"/>
       </p:ext>
     </p:extLst>
   </p:cSld>

--- a/PPT/MachineLearning15-RandomForest.pptx
+++ b/PPT/MachineLearning15-RandomForest.pptx
@@ -5,10 +5,10 @@
     <p:sldMasterId id="2147483653" r:id="rId1"/>
   </p:sldMasterIdLst>
   <p:notesMasterIdLst>
-    <p:notesMasterId r:id="rId15"/>
+    <p:notesMasterId r:id="rId16"/>
   </p:notesMasterIdLst>
   <p:handoutMasterIdLst>
-    <p:handoutMasterId r:id="rId16"/>
+    <p:handoutMasterId r:id="rId17"/>
   </p:handoutMasterIdLst>
   <p:sldIdLst>
     <p:sldId id="264" r:id="rId2"/>
@@ -23,7 +23,8 @@
     <p:sldId id="282" r:id="rId11"/>
     <p:sldId id="283" r:id="rId12"/>
     <p:sldId id="284" r:id="rId13"/>
-    <p:sldId id="281" r:id="rId14"/>
+    <p:sldId id="361" r:id="rId14"/>
+    <p:sldId id="281" r:id="rId15"/>
   </p:sldIdLst>
   <p:sldSz cx="9144000" cy="6858000" type="screen4x3"/>
   <p:notesSz cx="6648450" cy="9782175"/>
@@ -616,35 +617,35 @@
           <a:p>
             <a:pPr lvl="0"/>
             <a:r>
-              <a:rPr lang="fr-FR" noProof="0" smtClean="0"/>
+              <a:rPr lang="fr-FR" noProof="0"/>
               <a:t>Cliquez pour modifier les styles du texte du masque</a:t>
             </a:r>
           </a:p>
           <a:p>
             <a:pPr lvl="1"/>
             <a:r>
-              <a:rPr lang="fr-FR" noProof="0" smtClean="0"/>
+              <a:rPr lang="fr-FR" noProof="0"/>
               <a:t>Deuxième niveau</a:t>
             </a:r>
           </a:p>
           <a:p>
             <a:pPr lvl="2"/>
             <a:r>
-              <a:rPr lang="fr-FR" noProof="0" smtClean="0"/>
+              <a:rPr lang="fr-FR" noProof="0"/>
               <a:t>Troisième niveau</a:t>
             </a:r>
           </a:p>
           <a:p>
             <a:pPr lvl="3"/>
             <a:r>
-              <a:rPr lang="fr-FR" noProof="0" smtClean="0"/>
+              <a:rPr lang="fr-FR" noProof="0"/>
               <a:t>Quatrième niveau</a:t>
             </a:r>
           </a:p>
           <a:p>
             <a:pPr lvl="4"/>
             <a:r>
-              <a:rPr lang="fr-FR" noProof="0" smtClean="0"/>
+              <a:rPr lang="fr-FR" noProof="0"/>
               <a:t>Cinquième niveau</a:t>
             </a:r>
           </a:p>
@@ -932,10 +933,9 @@
           <a:lstStyle/>
           <a:p>
             <a:r>
-              <a:rPr lang="fr-FR" smtClean="0"/>
+              <a:rPr lang="fr-FR"/>
               <a:t>Cliquez pour modifier le style du titre</a:t>
             </a:r>
-            <a:endParaRPr lang="fr-FR"/>
           </a:p>
         </p:txBody>
       </p:sp>
@@ -997,10 +997,9 @@
           </a:lstStyle>
           <a:p>
             <a:r>
-              <a:rPr lang="fr-FR" smtClean="0"/>
+              <a:rPr lang="fr-FR"/>
               <a:t>Cliquez pour modifier le style des sous-titres du masque</a:t>
             </a:r>
-            <a:endParaRPr lang="fr-FR"/>
           </a:p>
         </p:txBody>
       </p:sp>
@@ -1055,10 +1054,9 @@
           <a:lstStyle/>
           <a:p>
             <a:r>
-              <a:rPr lang="fr-FR" smtClean="0"/>
+              <a:rPr lang="fr-FR"/>
               <a:t>Cliquez pour modifier le style du titre</a:t>
             </a:r>
-            <a:endParaRPr lang="fr-FR"/>
           </a:p>
         </p:txBody>
       </p:sp>
@@ -1084,38 +1082,37 @@
           <a:p>
             <a:pPr lvl="0"/>
             <a:r>
-              <a:rPr lang="fr-FR" smtClean="0"/>
+              <a:rPr lang="fr-FR"/>
               <a:t>Cliquez pour modifier les styles du texte du masque</a:t>
             </a:r>
           </a:p>
           <a:p>
             <a:pPr lvl="1"/>
             <a:r>
-              <a:rPr lang="fr-FR" smtClean="0"/>
+              <a:rPr lang="fr-FR"/>
               <a:t>Deuxième niveau</a:t>
             </a:r>
           </a:p>
           <a:p>
             <a:pPr lvl="2"/>
             <a:r>
-              <a:rPr lang="fr-FR" smtClean="0"/>
+              <a:rPr lang="fr-FR"/>
               <a:t>Troisième niveau</a:t>
             </a:r>
           </a:p>
           <a:p>
             <a:pPr lvl="3"/>
             <a:r>
-              <a:rPr lang="fr-FR" smtClean="0"/>
+              <a:rPr lang="fr-FR"/>
               <a:t>Quatrième niveau</a:t>
             </a:r>
           </a:p>
           <a:p>
             <a:pPr lvl="4"/>
             <a:r>
-              <a:rPr lang="fr-FR" smtClean="0"/>
+              <a:rPr lang="fr-FR"/>
               <a:t>Cinquième niveau</a:t>
             </a:r>
-            <a:endParaRPr lang="fr-FR"/>
           </a:p>
         </p:txBody>
       </p:sp>
@@ -1174,10 +1171,9 @@
           </a:lstStyle>
           <a:p>
             <a:r>
-              <a:rPr lang="fr-FR" dirty="0" smtClean="0"/>
+              <a:rPr lang="fr-FR" dirty="0"/>
               <a:t>Cliquez pour modifier le style du titre</a:t>
             </a:r>
-            <a:endParaRPr lang="fr-FR" dirty="0"/>
           </a:p>
         </p:txBody>
       </p:sp>
@@ -1203,38 +1199,37 @@
           <a:p>
             <a:pPr lvl="0"/>
             <a:r>
-              <a:rPr lang="fr-FR" dirty="0" smtClean="0"/>
+              <a:rPr lang="fr-FR" dirty="0"/>
               <a:t>Cliquez pour modifier les styles du texte du masque</a:t>
             </a:r>
           </a:p>
           <a:p>
             <a:pPr lvl="1"/>
             <a:r>
-              <a:rPr lang="fr-FR" dirty="0" smtClean="0"/>
+              <a:rPr lang="fr-FR" dirty="0"/>
               <a:t>Deuxième niveau</a:t>
             </a:r>
           </a:p>
           <a:p>
             <a:pPr lvl="2"/>
             <a:r>
-              <a:rPr lang="fr-FR" dirty="0" smtClean="0"/>
+              <a:rPr lang="fr-FR" dirty="0"/>
               <a:t>Troisième niveau</a:t>
             </a:r>
           </a:p>
           <a:p>
             <a:pPr lvl="3"/>
             <a:r>
-              <a:rPr lang="fr-FR" dirty="0" smtClean="0"/>
+              <a:rPr lang="fr-FR" dirty="0"/>
               <a:t>Quatrième niveau</a:t>
             </a:r>
           </a:p>
           <a:p>
             <a:pPr lvl="4"/>
             <a:r>
-              <a:rPr lang="fr-FR" dirty="0" smtClean="0"/>
+              <a:rPr lang="fr-FR" dirty="0"/>
               <a:t>Cinquième niveau</a:t>
             </a:r>
-            <a:endParaRPr lang="fr-FR" dirty="0"/>
           </a:p>
         </p:txBody>
       </p:sp>
@@ -1284,10 +1279,9 @@
           <a:lstStyle/>
           <a:p>
             <a:r>
-              <a:rPr lang="fr-FR" smtClean="0"/>
+              <a:rPr lang="fr-FR"/>
               <a:t>Cliquez pour modifier le style du titre</a:t>
             </a:r>
-            <a:endParaRPr lang="fr-FR"/>
           </a:p>
         </p:txBody>
       </p:sp>
@@ -1341,38 +1335,37 @@
           <a:p>
             <a:pPr lvl="0"/>
             <a:r>
-              <a:rPr lang="fr-FR" smtClean="0"/>
+              <a:rPr lang="fr-FR"/>
               <a:t>Cliquez pour modifier les styles du texte du masque</a:t>
             </a:r>
           </a:p>
           <a:p>
             <a:pPr lvl="1"/>
             <a:r>
-              <a:rPr lang="fr-FR" smtClean="0"/>
+              <a:rPr lang="fr-FR"/>
               <a:t>Deuxième niveau</a:t>
             </a:r>
           </a:p>
           <a:p>
             <a:pPr lvl="2"/>
             <a:r>
-              <a:rPr lang="fr-FR" smtClean="0"/>
+              <a:rPr lang="fr-FR"/>
               <a:t>Troisième niveau</a:t>
             </a:r>
           </a:p>
           <a:p>
             <a:pPr lvl="3"/>
             <a:r>
-              <a:rPr lang="fr-FR" smtClean="0"/>
+              <a:rPr lang="fr-FR"/>
               <a:t>Quatrième niveau</a:t>
             </a:r>
           </a:p>
           <a:p>
             <a:pPr lvl="4"/>
             <a:r>
-              <a:rPr lang="fr-FR" smtClean="0"/>
+              <a:rPr lang="fr-FR"/>
               <a:t>Cinquième niveau</a:t>
             </a:r>
-            <a:endParaRPr lang="fr-FR"/>
           </a:p>
         </p:txBody>
       </p:sp>
@@ -1426,38 +1419,37 @@
           <a:p>
             <a:pPr lvl="0"/>
             <a:r>
-              <a:rPr lang="fr-FR" smtClean="0"/>
+              <a:rPr lang="fr-FR"/>
               <a:t>Cliquez pour modifier les styles du texte du masque</a:t>
             </a:r>
           </a:p>
           <a:p>
             <a:pPr lvl="1"/>
             <a:r>
-              <a:rPr lang="fr-FR" smtClean="0"/>
+              <a:rPr lang="fr-FR"/>
               <a:t>Deuxième niveau</a:t>
             </a:r>
           </a:p>
           <a:p>
             <a:pPr lvl="2"/>
             <a:r>
-              <a:rPr lang="fr-FR" smtClean="0"/>
+              <a:rPr lang="fr-FR"/>
               <a:t>Troisième niveau</a:t>
             </a:r>
           </a:p>
           <a:p>
             <a:pPr lvl="3"/>
             <a:r>
-              <a:rPr lang="fr-FR" smtClean="0"/>
+              <a:rPr lang="fr-FR"/>
               <a:t>Quatrième niveau</a:t>
             </a:r>
           </a:p>
           <a:p>
             <a:pPr lvl="4"/>
             <a:r>
-              <a:rPr lang="fr-FR" smtClean="0"/>
+              <a:rPr lang="fr-FR"/>
               <a:t>Cinquième niveau</a:t>
             </a:r>
-            <a:endParaRPr lang="fr-FR"/>
           </a:p>
         </p:txBody>
       </p:sp>
@@ -1516,10 +1508,9 @@
           </a:lstStyle>
           <a:p>
             <a:r>
-              <a:rPr lang="fr-FR" smtClean="0"/>
+              <a:rPr lang="fr-FR"/>
               <a:t>Cliquez pour modifier le style du titre</a:t>
             </a:r>
-            <a:endParaRPr lang="fr-FR"/>
           </a:p>
         </p:txBody>
       </p:sp>
@@ -1582,7 +1573,7 @@
           <a:p>
             <a:pPr lvl="0"/>
             <a:r>
-              <a:rPr lang="fr-FR" smtClean="0"/>
+              <a:rPr lang="fr-FR"/>
               <a:t>Cliquez pour modifier les styles du texte du masque</a:t>
             </a:r>
           </a:p>
@@ -1638,38 +1629,37 @@
           <a:p>
             <a:pPr lvl="0"/>
             <a:r>
-              <a:rPr lang="fr-FR" smtClean="0"/>
+              <a:rPr lang="fr-FR"/>
               <a:t>Cliquez pour modifier les styles du texte du masque</a:t>
             </a:r>
           </a:p>
           <a:p>
             <a:pPr lvl="1"/>
             <a:r>
-              <a:rPr lang="fr-FR" smtClean="0"/>
+              <a:rPr lang="fr-FR"/>
               <a:t>Deuxième niveau</a:t>
             </a:r>
           </a:p>
           <a:p>
             <a:pPr lvl="2"/>
             <a:r>
-              <a:rPr lang="fr-FR" smtClean="0"/>
+              <a:rPr lang="fr-FR"/>
               <a:t>Troisième niveau</a:t>
             </a:r>
           </a:p>
           <a:p>
             <a:pPr lvl="3"/>
             <a:r>
-              <a:rPr lang="fr-FR" smtClean="0"/>
+              <a:rPr lang="fr-FR"/>
               <a:t>Quatrième niveau</a:t>
             </a:r>
           </a:p>
           <a:p>
             <a:pPr lvl="4"/>
             <a:r>
-              <a:rPr lang="fr-FR" smtClean="0"/>
+              <a:rPr lang="fr-FR"/>
               <a:t>Cinquième niveau</a:t>
             </a:r>
-            <a:endParaRPr lang="fr-FR"/>
           </a:p>
         </p:txBody>
       </p:sp>
@@ -1732,7 +1722,7 @@
           <a:p>
             <a:pPr lvl="0"/>
             <a:r>
-              <a:rPr lang="fr-FR" smtClean="0"/>
+              <a:rPr lang="fr-FR"/>
               <a:t>Cliquez pour modifier les styles du texte du masque</a:t>
             </a:r>
           </a:p>
@@ -1788,38 +1778,37 @@
           <a:p>
             <a:pPr lvl="0"/>
             <a:r>
-              <a:rPr lang="fr-FR" smtClean="0"/>
+              <a:rPr lang="fr-FR"/>
               <a:t>Cliquez pour modifier les styles du texte du masque</a:t>
             </a:r>
           </a:p>
           <a:p>
             <a:pPr lvl="1"/>
             <a:r>
-              <a:rPr lang="fr-FR" smtClean="0"/>
+              <a:rPr lang="fr-FR"/>
               <a:t>Deuxième niveau</a:t>
             </a:r>
           </a:p>
           <a:p>
             <a:pPr lvl="2"/>
             <a:r>
-              <a:rPr lang="fr-FR" smtClean="0"/>
+              <a:rPr lang="fr-FR"/>
               <a:t>Troisième niveau</a:t>
             </a:r>
           </a:p>
           <a:p>
             <a:pPr lvl="3"/>
             <a:r>
-              <a:rPr lang="fr-FR" smtClean="0"/>
+              <a:rPr lang="fr-FR"/>
               <a:t>Quatrième niveau</a:t>
             </a:r>
           </a:p>
           <a:p>
             <a:pPr lvl="4"/>
             <a:r>
-              <a:rPr lang="fr-FR" smtClean="0"/>
+              <a:rPr lang="fr-FR"/>
               <a:t>Cinquième niveau</a:t>
             </a:r>
-            <a:endParaRPr lang="fr-FR"/>
           </a:p>
         </p:txBody>
       </p:sp>
@@ -1869,10 +1858,9 @@
           <a:lstStyle/>
           <a:p>
             <a:r>
-              <a:rPr lang="fr-FR" smtClean="0"/>
+              <a:rPr lang="fr-FR"/>
               <a:t>Cliquez pour modifier le style du titre</a:t>
             </a:r>
-            <a:endParaRPr lang="fr-FR"/>
           </a:p>
         </p:txBody>
       </p:sp>
@@ -1961,10 +1949,9 @@
           </a:lstStyle>
           <a:p>
             <a:r>
-              <a:rPr lang="fr-FR" smtClean="0"/>
+              <a:rPr lang="fr-FR"/>
               <a:t>Cliquez pour modifier le style du titre</a:t>
             </a:r>
-            <a:endParaRPr lang="fr-FR"/>
           </a:p>
         </p:txBody>
       </p:sp>
@@ -2018,38 +2005,37 @@
           <a:p>
             <a:pPr lvl="0"/>
             <a:r>
-              <a:rPr lang="fr-FR" smtClean="0"/>
+              <a:rPr lang="fr-FR"/>
               <a:t>Cliquez pour modifier les styles du texte du masque</a:t>
             </a:r>
           </a:p>
           <a:p>
             <a:pPr lvl="1"/>
             <a:r>
-              <a:rPr lang="fr-FR" smtClean="0"/>
+              <a:rPr lang="fr-FR"/>
               <a:t>Deuxième niveau</a:t>
             </a:r>
           </a:p>
           <a:p>
             <a:pPr lvl="2"/>
             <a:r>
-              <a:rPr lang="fr-FR" smtClean="0"/>
+              <a:rPr lang="fr-FR"/>
               <a:t>Troisième niveau</a:t>
             </a:r>
           </a:p>
           <a:p>
             <a:pPr lvl="3"/>
             <a:r>
-              <a:rPr lang="fr-FR" smtClean="0"/>
+              <a:rPr lang="fr-FR"/>
               <a:t>Quatrième niveau</a:t>
             </a:r>
           </a:p>
           <a:p>
             <a:pPr lvl="4"/>
             <a:r>
-              <a:rPr lang="fr-FR" smtClean="0"/>
+              <a:rPr lang="fr-FR"/>
               <a:t>Cinquième niveau</a:t>
             </a:r>
-            <a:endParaRPr lang="fr-FR"/>
           </a:p>
         </p:txBody>
       </p:sp>
@@ -2112,7 +2098,7 @@
           <a:p>
             <a:pPr lvl="0"/>
             <a:r>
-              <a:rPr lang="fr-FR" smtClean="0"/>
+              <a:rPr lang="fr-FR"/>
               <a:t>Cliquez pour modifier les styles du texte du masque</a:t>
             </a:r>
           </a:p>
@@ -2173,10 +2159,9 @@
           </a:lstStyle>
           <a:p>
             <a:r>
-              <a:rPr lang="fr-FR" smtClean="0"/>
+              <a:rPr lang="fr-FR"/>
               <a:t>Cliquez pour modifier le style du titre</a:t>
             </a:r>
-            <a:endParaRPr lang="fr-FR"/>
           </a:p>
         </p:txBody>
       </p:sp>
@@ -2238,7 +2223,7 @@
           </a:lstStyle>
           <a:p>
             <a:pPr lvl="0"/>
-            <a:endParaRPr lang="fr-FR" noProof="0" smtClean="0"/>
+            <a:endParaRPr lang="fr-FR" noProof="0"/>
           </a:p>
         </p:txBody>
       </p:sp>
@@ -2301,7 +2286,7 @@
           <a:p>
             <a:pPr lvl="0"/>
             <a:r>
-              <a:rPr lang="fr-FR" smtClean="0"/>
+              <a:rPr lang="fr-FR"/>
               <a:t>Cliquez pour modifier les styles du texte du masque</a:t>
             </a:r>
           </a:p>
@@ -2353,10 +2338,9 @@
           <a:lstStyle/>
           <a:p>
             <a:r>
-              <a:rPr lang="fr-FR" smtClean="0"/>
+              <a:rPr lang="fr-FR"/>
               <a:t>Cliquez pour modifier le style du titre</a:t>
             </a:r>
-            <a:endParaRPr lang="fr-FR"/>
           </a:p>
         </p:txBody>
       </p:sp>
@@ -2377,38 +2361,37 @@
           <a:p>
             <a:pPr lvl="0"/>
             <a:r>
-              <a:rPr lang="fr-FR" smtClean="0"/>
+              <a:rPr lang="fr-FR"/>
               <a:t>Cliquez pour modifier les styles du texte du masque</a:t>
             </a:r>
           </a:p>
           <a:p>
             <a:pPr lvl="1"/>
             <a:r>
-              <a:rPr lang="fr-FR" smtClean="0"/>
+              <a:rPr lang="fr-FR"/>
               <a:t>Deuxième niveau</a:t>
             </a:r>
           </a:p>
           <a:p>
             <a:pPr lvl="2"/>
             <a:r>
-              <a:rPr lang="fr-FR" smtClean="0"/>
+              <a:rPr lang="fr-FR"/>
               <a:t>Troisième niveau</a:t>
             </a:r>
           </a:p>
           <a:p>
             <a:pPr lvl="3"/>
             <a:r>
-              <a:rPr lang="fr-FR" smtClean="0"/>
+              <a:rPr lang="fr-FR"/>
               <a:t>Quatrième niveau</a:t>
             </a:r>
           </a:p>
           <a:p>
             <a:pPr lvl="4"/>
             <a:r>
-              <a:rPr lang="fr-FR" smtClean="0"/>
+              <a:rPr lang="fr-FR"/>
               <a:t>Cinquième niveau</a:t>
             </a:r>
-            <a:endParaRPr lang="fr-FR"/>
           </a:p>
         </p:txBody>
       </p:sp>
@@ -2589,7 +2572,7 @@
             <a:pPr eaLnBrk="1" hangingPunct="1">
               <a:defRPr/>
             </a:pPr>
-            <a:endParaRPr lang="fr-FR" altLang="fr-FR" smtClean="0"/>
+            <a:endParaRPr lang="fr-FR" altLang="fr-FR"/>
           </a:p>
         </p:txBody>
       </p:sp>
@@ -2743,7 +2726,7 @@
               <a:defRPr/>
             </a:pPr>
             <a:r>
-              <a:rPr lang="fr-FR" sz="1200" dirty="0" smtClean="0"/>
+              <a:rPr lang="fr-FR" sz="1200" dirty="0"/>
               <a:t>Page </a:t>
             </a:r>
             <a:fld id="{E218E9B1-FD08-4C80-902E-210BA2967D0D}" type="slidenum">
@@ -2756,7 +2739,7 @@
               </a:pPr>
               <a:t>‹N°›</a:t>
             </a:fld>
-            <a:endParaRPr lang="fr-FR" dirty="0" smtClean="0">
+            <a:endParaRPr lang="fr-FR" dirty="0">
               <a:latin typeface="Times New Roman" pitchFamily="18" charset="0"/>
             </a:endParaRPr>
           </a:p>
@@ -2912,10 +2895,10 @@
               <a:defRPr/>
             </a:pPr>
             <a:r>
-              <a:rPr lang="fr-FR" sz="1600" dirty="0" smtClean="0"/>
+              <a:rPr lang="fr-FR" sz="1600" dirty="0"/>
               <a:t>Python</a:t>
             </a:r>
-            <a:endParaRPr lang="fr-FR" dirty="0" smtClean="0">
+            <a:endParaRPr lang="fr-FR" dirty="0">
               <a:latin typeface="Times New Roman" pitchFamily="18" charset="0"/>
             </a:endParaRPr>
           </a:p>
@@ -2973,7 +2956,7 @@
           <a:p>
             <a:pPr lvl="0"/>
             <a:r>
-              <a:rPr lang="fr-FR" altLang="fr-FR" smtClean="0"/>
+              <a:rPr lang="fr-FR" altLang="fr-FR"/>
               <a:t>Cliquez pour modifier le style du titre du masque</a:t>
             </a:r>
           </a:p>
@@ -3031,35 +3014,35 @@
           <a:p>
             <a:pPr lvl="0"/>
             <a:r>
-              <a:rPr lang="fr-FR" altLang="fr-FR" smtClean="0"/>
+              <a:rPr lang="fr-FR" altLang="fr-FR"/>
               <a:t>Cliquez pour modifier les styles du texte du masque</a:t>
             </a:r>
           </a:p>
           <a:p>
             <a:pPr lvl="1"/>
             <a:r>
-              <a:rPr lang="fr-FR" altLang="fr-FR" smtClean="0"/>
+              <a:rPr lang="fr-FR" altLang="fr-FR"/>
               <a:t>Deuxième niveau</a:t>
             </a:r>
           </a:p>
           <a:p>
             <a:pPr lvl="2"/>
             <a:r>
-              <a:rPr lang="fr-FR" altLang="fr-FR" smtClean="0"/>
+              <a:rPr lang="fr-FR" altLang="fr-FR"/>
               <a:t>Troisième niveau</a:t>
             </a:r>
           </a:p>
           <a:p>
             <a:pPr lvl="3"/>
             <a:r>
-              <a:rPr lang="fr-FR" altLang="fr-FR" smtClean="0"/>
+              <a:rPr lang="fr-FR" altLang="fr-FR"/>
               <a:t>Quatrième niveau</a:t>
             </a:r>
           </a:p>
           <a:p>
             <a:pPr lvl="4"/>
             <a:r>
-              <a:rPr lang="fr-FR" altLang="fr-FR" smtClean="0"/>
+              <a:rPr lang="fr-FR" altLang="fr-FR"/>
               <a:t>Cinquième niveau</a:t>
             </a:r>
           </a:p>
@@ -3215,10 +3198,10 @@
               <a:defRPr/>
             </a:pPr>
             <a:r>
-              <a:rPr lang="fr-FR" sz="1200" smtClean="0"/>
+              <a:rPr lang="fr-FR" sz="1200"/>
               <a:t>© Cyril Vincent Conseil</a:t>
             </a:r>
-            <a:endParaRPr lang="fr-FR" smtClean="0">
+            <a:endParaRPr lang="fr-FR">
               <a:latin typeface="Times New Roman" pitchFamily="18" charset="0"/>
             </a:endParaRPr>
           </a:p>
@@ -3700,17 +3683,17 @@
           <a:p>
             <a:pPr eaLnBrk="1" hangingPunct="1"/>
             <a:r>
-              <a:rPr lang="fr-FR" altLang="fr-FR" dirty="0" smtClean="0"/>
+              <a:rPr lang="fr-FR" altLang="fr-FR" dirty="0"/>
               <a:t>Chapitre 15</a:t>
             </a:r>
           </a:p>
           <a:p>
             <a:pPr eaLnBrk="1" hangingPunct="1"/>
             <a:r>
-              <a:rPr lang="fr-FR" altLang="fr-FR" dirty="0" err="1" smtClean="0"/>
+              <a:rPr lang="fr-FR" altLang="fr-FR" dirty="0" err="1"/>
               <a:t>RandomForest</a:t>
             </a:r>
-            <a:endParaRPr lang="fr-FR" altLang="fr-FR" dirty="0" smtClean="0"/>
+            <a:endParaRPr lang="fr-FR" altLang="fr-FR" dirty="0"/>
           </a:p>
         </p:txBody>
       </p:sp>
@@ -3761,10 +3744,9 @@
           <a:lstStyle/>
           <a:p>
             <a:r>
-              <a:rPr lang="fr-FR" sz="3600" dirty="0" smtClean="0"/>
+              <a:rPr lang="fr-FR" sz="3600" dirty="0"/>
               <a:t>Data Science</a:t>
             </a:r>
-            <a:endParaRPr lang="fr-FR" sz="3600" dirty="0"/>
           </a:p>
         </p:txBody>
       </p:sp>
@@ -3797,13 +3779,6 @@
   <p:clrMapOvr>
     <a:masterClrMapping/>
   </p:clrMapOvr>
-  <p:timing>
-    <p:tnLst>
-      <p:par>
-        <p:cTn id="1" dur="indefinite" restart="never" nodeType="tmRoot"/>
-      </p:par>
-    </p:tnLst>
-  </p:timing>
 </p:sld>
 </file>
 
@@ -3840,10 +3815,9 @@
           <a:lstStyle/>
           <a:p>
             <a:r>
-              <a:rPr lang="fr-FR" dirty="0" smtClean="0"/>
+              <a:rPr lang="fr-FR" dirty="0"/>
               <a:t>Sérialisation du modèle</a:t>
             </a:r>
-            <a:endParaRPr lang="fr-FR" dirty="0"/>
           </a:p>
         </p:txBody>
       </p:sp>
@@ -3863,46 +3837,46 @@
           <a:lstStyle/>
           <a:p>
             <a:r>
-              <a:rPr lang="fr-FR" dirty="0" smtClean="0"/>
+              <a:rPr lang="fr-FR" dirty="0"/>
               <a:t>Transformation d’un objet en binaire</a:t>
             </a:r>
           </a:p>
           <a:p>
             <a:pPr lvl="1"/>
             <a:r>
-              <a:rPr lang="fr-FR" dirty="0" smtClean="0"/>
+              <a:rPr lang="fr-FR" dirty="0"/>
               <a:t>Sérialisation</a:t>
             </a:r>
           </a:p>
           <a:p>
             <a:pPr lvl="1"/>
             <a:r>
-              <a:rPr lang="fr-FR" dirty="0" err="1" smtClean="0"/>
+              <a:rPr lang="fr-FR" dirty="0" err="1"/>
               <a:t>Marshalling</a:t>
             </a:r>
-            <a:endParaRPr lang="fr-FR" dirty="0" smtClean="0"/>
-          </a:p>
-          <a:p>
-            <a:r>
-              <a:rPr lang="fr-FR" dirty="0" smtClean="0"/>
+            <a:endParaRPr lang="fr-FR" dirty="0"/>
+          </a:p>
+          <a:p>
+            <a:r>
+              <a:rPr lang="fr-FR" dirty="0"/>
               <a:t>Transformation inverse</a:t>
             </a:r>
           </a:p>
           <a:p>
             <a:pPr lvl="1"/>
             <a:r>
-              <a:rPr lang="fr-FR" dirty="0" err="1" smtClean="0"/>
+              <a:rPr lang="fr-FR" dirty="0" err="1"/>
               <a:t>Désérialisation</a:t>
             </a:r>
-            <a:endParaRPr lang="fr-FR" dirty="0" smtClean="0"/>
+            <a:endParaRPr lang="fr-FR" dirty="0"/>
           </a:p>
           <a:p>
             <a:pPr lvl="1"/>
             <a:r>
-              <a:rPr lang="fr-FR" dirty="0" err="1" smtClean="0"/>
+              <a:rPr lang="fr-FR" dirty="0" err="1"/>
               <a:t>Unmarshalling</a:t>
             </a:r>
-            <a:endParaRPr lang="fr-FR" dirty="0" smtClean="0"/>
+            <a:endParaRPr lang="fr-FR" dirty="0"/>
           </a:p>
         </p:txBody>
       </p:sp>
@@ -3916,13 +3890,6 @@
   <p:clrMapOvr>
     <a:masterClrMapping/>
   </p:clrMapOvr>
-  <p:timing>
-    <p:tnLst>
-      <p:par>
-        <p:cTn id="1" dur="indefinite" restart="never" nodeType="tmRoot"/>
-      </p:par>
-    </p:tnLst>
-  </p:timing>
 </p:sld>
 </file>
 
@@ -3959,7 +3926,7 @@
           <a:lstStyle/>
           <a:p>
             <a:r>
-              <a:rPr lang="fr-FR" dirty="0" err="1" smtClean="0"/>
+              <a:rPr lang="fr-FR" dirty="0" err="1"/>
               <a:t>Pickle</a:t>
             </a:r>
             <a:endParaRPr lang="fr-FR" dirty="0"/>
@@ -4086,14 +4053,14 @@
               <a:t> de </a:t>
             </a:r>
             <a:r>
-              <a:rPr lang="en-GB" altLang="fr-FR" dirty="0" err="1" smtClean="0"/>
+              <a:rPr lang="en-GB" altLang="fr-FR" dirty="0" err="1"/>
               <a:t>caractères</a:t>
             </a:r>
-            <a:endParaRPr lang="en-GB" altLang="fr-FR" dirty="0" smtClean="0"/>
-          </a:p>
-          <a:p>
-            <a:r>
-              <a:rPr lang="en-GB" altLang="fr-FR" dirty="0" smtClean="0"/>
+            <a:endParaRPr lang="en-GB" altLang="fr-FR" dirty="0"/>
+          </a:p>
+          <a:p>
+            <a:r>
+              <a:rPr lang="en-GB" altLang="fr-FR" dirty="0"/>
               <a:t>Ce </a:t>
             </a:r>
             <a:r>
@@ -4113,18 +4080,18 @@
               <a:t> </a:t>
             </a:r>
             <a:r>
-              <a:rPr lang="en-GB" altLang="fr-FR" b="1" dirty="0" smtClean="0"/>
+              <a:rPr lang="en-GB" altLang="fr-FR" b="1" dirty="0"/>
               <a:t>pickling</a:t>
             </a:r>
             <a:endParaRPr lang="en-GB" altLang="fr-FR" dirty="0"/>
           </a:p>
           <a:p>
             <a:r>
-              <a:rPr lang="en-GB" altLang="fr-FR" dirty="0" err="1" smtClean="0"/>
+              <a:rPr lang="en-GB" altLang="fr-FR" dirty="0" err="1"/>
               <a:t>Reconstruire</a:t>
             </a:r>
             <a:r>
-              <a:rPr lang="en-GB" altLang="fr-FR" dirty="0" smtClean="0"/>
+              <a:rPr lang="en-GB" altLang="fr-FR" dirty="0"/>
               <a:t> </a:t>
             </a:r>
             <a:r>
@@ -4192,7 +4159,7 @@
               <a:t> </a:t>
             </a:r>
             <a:r>
-              <a:rPr lang="en-GB" altLang="fr-FR" b="1" dirty="0" err="1" smtClean="0"/>
+              <a:rPr lang="en-GB" altLang="fr-FR" b="1" dirty="0" err="1"/>
               <a:t>unpickling</a:t>
             </a:r>
             <a:endParaRPr lang="en-GB" altLang="fr-FR" dirty="0"/>
@@ -4200,12 +4167,8 @@
           <a:p>
             <a:pPr lvl="1"/>
             <a:r>
-              <a:rPr lang="en-GB" altLang="fr-FR" dirty="0" smtClean="0"/>
-              <a:t>Entre </a:t>
-            </a:r>
-            <a:r>
               <a:rPr lang="en-GB" altLang="fr-FR" dirty="0"/>
-              <a:t>pickling et </a:t>
+              <a:t>Entre pickling et </a:t>
             </a:r>
             <a:r>
               <a:rPr lang="en-GB" altLang="fr-FR" dirty="0" err="1"/>
@@ -4369,13 +4332,6 @@
   <p:clrMapOvr>
     <a:masterClrMapping/>
   </p:clrMapOvr>
-  <p:timing>
-    <p:tnLst>
-      <p:par>
-        <p:cTn id="1" dur="indefinite" restart="never" nodeType="tmRoot"/>
-      </p:par>
-    </p:tnLst>
-  </p:timing>
 </p:sld>
 </file>
 
@@ -4412,7 +4368,7 @@
           <a:lstStyle/>
           <a:p>
             <a:r>
-              <a:rPr lang="fr-FR" dirty="0" err="1" smtClean="0"/>
+              <a:rPr lang="fr-FR" dirty="0" err="1"/>
               <a:t>Pickle</a:t>
             </a:r>
             <a:endParaRPr lang="fr-FR" dirty="0"/>
@@ -4436,15 +4392,7 @@
           <a:p>
             <a:r>
               <a:rPr lang="fr-FR" dirty="0"/>
-              <a:t>Si vous avez un objet x, et un objet fichier f ouvert </a:t>
-            </a:r>
-            <a:r>
-              <a:rPr lang="fr-FR" dirty="0" smtClean="0"/>
-              <a:t>en écriture</a:t>
-            </a:r>
-            <a:r>
-              <a:rPr lang="fr-FR" dirty="0"/>
-              <a:t>, la voie la plus simple de ``</a:t>
+              <a:t>Si vous avez un objet x, et un objet fichier f ouvert en écriture, la voie la plus simple de ``</a:t>
             </a:r>
             <a:r>
               <a:rPr lang="fr-FR" dirty="0" err="1"/>
@@ -4452,21 +4400,8 @@
             </a:r>
             <a:r>
               <a:rPr lang="fr-FR" dirty="0"/>
-              <a:t>'' l'objet </a:t>
-            </a:r>
-            <a:r>
-              <a:rPr lang="fr-FR" dirty="0" smtClean="0"/>
-              <a:t>prend seulement </a:t>
-            </a:r>
-            <a:r>
-              <a:rPr lang="fr-FR" dirty="0"/>
-              <a:t>une ligne de </a:t>
-            </a:r>
-            <a:r>
-              <a:rPr lang="fr-FR" dirty="0" smtClean="0"/>
-              <a:t>code </a:t>
-            </a:r>
-            <a:endParaRPr lang="fr-FR" dirty="0"/>
+              <a:t>'' l'objet prend seulement une ligne de code </a:t>
+            </a:r>
           </a:p>
           <a:p>
             <a:pPr lvl="1"/>
@@ -4490,21 +4425,8 @@
             </a:r>
             <a:r>
               <a:rPr lang="fr-FR" dirty="0"/>
-              <a:t>'' l'objet, si f est un objet fichier </a:t>
-            </a:r>
-            <a:r>
-              <a:rPr lang="fr-FR" dirty="0" smtClean="0"/>
-              <a:t>ouvert </a:t>
-            </a:r>
-            <a:r>
-              <a:rPr lang="fr-FR" dirty="0"/>
-              <a:t>en </a:t>
-            </a:r>
-            <a:r>
-              <a:rPr lang="fr-FR" dirty="0" smtClean="0"/>
-              <a:t>lecture</a:t>
-            </a:r>
-            <a:endParaRPr lang="fr-FR" dirty="0"/>
+              <a:t>'' l'objet, si f est un objet fichier ouvert en lecture</a:t>
+            </a:r>
           </a:p>
           <a:p>
             <a:pPr lvl="1"/>
@@ -4536,17 +4458,346 @@
   <p:clrMapOvr>
     <a:masterClrMapping/>
   </p:clrMapOvr>
-  <p:timing>
-    <p:tnLst>
-      <p:par>
-        <p:cTn id="1" dur="indefinite" restart="never" nodeType="tmRoot"/>
-      </p:par>
-    </p:tnLst>
-  </p:timing>
 </p:sld>
 </file>
 
 <file path=ppt/slides/slide13.xml><?xml version="1.0" encoding="utf-8"?>
+<p:sld xmlns:a="http://schemas.openxmlformats.org/drawingml/2006/main" xmlns:r="http://schemas.openxmlformats.org/officeDocument/2006/relationships" xmlns:p="http://schemas.openxmlformats.org/presentationml/2006/main">
+  <p:cSld>
+    <p:spTree>
+      <p:nvGrpSpPr>
+        <p:cNvPr id="1" name=""/>
+        <p:cNvGrpSpPr/>
+        <p:nvPr/>
+      </p:nvGrpSpPr>
+      <p:grpSpPr>
+        <a:xfrm>
+          <a:off x="0" y="0"/>
+          <a:ext cx="0" cy="0"/>
+          <a:chOff x="0" y="0"/>
+          <a:chExt cx="0" cy="0"/>
+        </a:xfrm>
+      </p:grpSpPr>
+      <p:sp>
+        <p:nvSpPr>
+          <p:cNvPr id="2" name="Titre 1">
+            <a:extLst>
+              <a:ext uri="{FF2B5EF4-FFF2-40B4-BE49-F238E27FC236}">
+                <a16:creationId xmlns:a16="http://schemas.microsoft.com/office/drawing/2014/main" id="{D9B0984B-C31F-4507-B93B-379E1A983053}"/>
+              </a:ext>
+            </a:extLst>
+          </p:cNvPr>
+          <p:cNvSpPr>
+            <a:spLocks noGrp="1"/>
+          </p:cNvSpPr>
+          <p:nvPr>
+            <p:ph type="title"/>
+          </p:nvPr>
+        </p:nvSpPr>
+        <p:spPr/>
+        <p:txBody>
+          <a:bodyPr/>
+          <a:lstStyle/>
+          <a:p>
+            <a:r>
+              <a:rPr lang="fr-FR" dirty="0"/>
+              <a:t>ONNX</a:t>
+            </a:r>
+          </a:p>
+        </p:txBody>
+      </p:sp>
+      <p:sp>
+        <p:nvSpPr>
+          <p:cNvPr id="3" name="Espace réservé du contenu 2">
+            <a:extLst>
+              <a:ext uri="{FF2B5EF4-FFF2-40B4-BE49-F238E27FC236}">
+                <a16:creationId xmlns:a16="http://schemas.microsoft.com/office/drawing/2014/main" id="{B8236F60-43BF-4292-8C86-19259F6CFC16}"/>
+              </a:ext>
+            </a:extLst>
+          </p:cNvPr>
+          <p:cNvSpPr>
+            <a:spLocks noGrp="1"/>
+          </p:cNvSpPr>
+          <p:nvPr>
+            <p:ph idx="1"/>
+          </p:nvPr>
+        </p:nvSpPr>
+        <p:spPr/>
+        <p:txBody>
+          <a:bodyPr/>
+          <a:lstStyle/>
+          <a:p>
+            <a:r>
+              <a:rPr lang="fr-FR" dirty="0"/>
+              <a:t>Open Neural Network Exchange</a:t>
+            </a:r>
+          </a:p>
+          <a:p>
+            <a:pPr lvl="1"/>
+            <a:r>
+              <a:rPr lang="fr-FR" dirty="0" err="1"/>
+              <a:t>pip</a:t>
+            </a:r>
+            <a:r>
+              <a:rPr lang="fr-FR" dirty="0"/>
+              <a:t> </a:t>
+            </a:r>
+            <a:r>
+              <a:rPr lang="fr-FR" dirty="0" err="1"/>
+              <a:t>install</a:t>
+            </a:r>
+            <a:r>
+              <a:rPr lang="fr-FR" dirty="0"/>
+              <a:t> skl2onnx</a:t>
+            </a:r>
+          </a:p>
+          <a:p>
+            <a:pPr marL="457200" lvl="1" indent="0">
+              <a:buNone/>
+            </a:pPr>
+            <a:r>
+              <a:rPr lang="fr-FR" sz="1600" dirty="0" err="1">
+                <a:latin typeface="Courier New" panose="02070309020205020404" pitchFamily="49" charset="0"/>
+                <a:cs typeface="Courier New" panose="02070309020205020404" pitchFamily="49" charset="0"/>
+              </a:rPr>
+              <a:t>initial_type</a:t>
+            </a:r>
+            <a:r>
+              <a:rPr lang="fr-FR" sz="1600" dirty="0">
+                <a:latin typeface="Courier New" panose="02070309020205020404" pitchFamily="49" charset="0"/>
+                <a:cs typeface="Courier New" panose="02070309020205020404" pitchFamily="49" charset="0"/>
+              </a:rPr>
+              <a:t> = [('</a:t>
+            </a:r>
+            <a:r>
+              <a:rPr lang="fr-FR" sz="1600" dirty="0" err="1">
+                <a:latin typeface="Courier New" panose="02070309020205020404" pitchFamily="49" charset="0"/>
+                <a:cs typeface="Courier New" panose="02070309020205020404" pitchFamily="49" charset="0"/>
+              </a:rPr>
+              <a:t>float_input</a:t>
+            </a:r>
+            <a:r>
+              <a:rPr lang="fr-FR" sz="1600" dirty="0">
+                <a:latin typeface="Courier New" panose="02070309020205020404" pitchFamily="49" charset="0"/>
+                <a:cs typeface="Courier New" panose="02070309020205020404" pitchFamily="49" charset="0"/>
+              </a:rPr>
+              <a:t>', </a:t>
+            </a:r>
+            <a:r>
+              <a:rPr lang="fr-FR" sz="1600" dirty="0" err="1">
+                <a:latin typeface="Courier New" panose="02070309020205020404" pitchFamily="49" charset="0"/>
+                <a:cs typeface="Courier New" panose="02070309020205020404" pitchFamily="49" charset="0"/>
+              </a:rPr>
+              <a:t>FloatTensorType</a:t>
+            </a:r>
+            <a:r>
+              <a:rPr lang="fr-FR" sz="1600" dirty="0">
+                <a:latin typeface="Courier New" panose="02070309020205020404" pitchFamily="49" charset="0"/>
+                <a:cs typeface="Courier New" panose="02070309020205020404" pitchFamily="49" charset="0"/>
+              </a:rPr>
+              <a:t>([None, 30]))]</a:t>
+            </a:r>
+          </a:p>
+          <a:p>
+            <a:pPr marL="457200" lvl="1" indent="0">
+              <a:buNone/>
+            </a:pPr>
+            <a:r>
+              <a:rPr lang="fr-FR" sz="1600" dirty="0" err="1">
+                <a:latin typeface="Courier New" panose="02070309020205020404" pitchFamily="49" charset="0"/>
+                <a:cs typeface="Courier New" panose="02070309020205020404" pitchFamily="49" charset="0"/>
+              </a:rPr>
+              <a:t>onnx</a:t>
+            </a:r>
+            <a:r>
+              <a:rPr lang="fr-FR" sz="1600" dirty="0">
+                <a:latin typeface="Courier New" panose="02070309020205020404" pitchFamily="49" charset="0"/>
+                <a:cs typeface="Courier New" panose="02070309020205020404" pitchFamily="49" charset="0"/>
+              </a:rPr>
+              <a:t> = </a:t>
+            </a:r>
+            <a:r>
+              <a:rPr lang="fr-FR" sz="1600" dirty="0" err="1">
+                <a:latin typeface="Courier New" panose="02070309020205020404" pitchFamily="49" charset="0"/>
+                <a:cs typeface="Courier New" panose="02070309020205020404" pitchFamily="49" charset="0"/>
+              </a:rPr>
+              <a:t>convert_sklearn</a:t>
+            </a:r>
+            <a:r>
+              <a:rPr lang="fr-FR" sz="1600" dirty="0">
+                <a:latin typeface="Courier New" panose="02070309020205020404" pitchFamily="49" charset="0"/>
+                <a:cs typeface="Courier New" panose="02070309020205020404" pitchFamily="49" charset="0"/>
+              </a:rPr>
+              <a:t>(model, </a:t>
+            </a:r>
+            <a:r>
+              <a:rPr lang="fr-FR" sz="1600" dirty="0" err="1">
+                <a:latin typeface="Courier New" panose="02070309020205020404" pitchFamily="49" charset="0"/>
+                <a:cs typeface="Courier New" panose="02070309020205020404" pitchFamily="49" charset="0"/>
+              </a:rPr>
+              <a:t>initial_types</a:t>
+            </a:r>
+            <a:r>
+              <a:rPr lang="fr-FR" sz="1600" dirty="0">
+                <a:latin typeface="Courier New" panose="02070309020205020404" pitchFamily="49" charset="0"/>
+                <a:cs typeface="Courier New" panose="02070309020205020404" pitchFamily="49" charset="0"/>
+              </a:rPr>
+              <a:t>=</a:t>
+            </a:r>
+            <a:r>
+              <a:rPr lang="fr-FR" sz="1600" dirty="0" err="1">
+                <a:latin typeface="Courier New" panose="02070309020205020404" pitchFamily="49" charset="0"/>
+                <a:cs typeface="Courier New" panose="02070309020205020404" pitchFamily="49" charset="0"/>
+              </a:rPr>
+              <a:t>initial_type</a:t>
+            </a:r>
+            <a:r>
+              <a:rPr lang="fr-FR" sz="1600" dirty="0">
+                <a:latin typeface="Courier New" panose="02070309020205020404" pitchFamily="49" charset="0"/>
+                <a:cs typeface="Courier New" panose="02070309020205020404" pitchFamily="49" charset="0"/>
+              </a:rPr>
+              <a:t>)</a:t>
+            </a:r>
+          </a:p>
+          <a:p>
+            <a:pPr marL="457200" lvl="1" indent="0">
+              <a:buNone/>
+            </a:pPr>
+            <a:r>
+              <a:rPr lang="fr-FR" sz="1600" dirty="0" err="1">
+                <a:latin typeface="Courier New" panose="02070309020205020404" pitchFamily="49" charset="0"/>
+                <a:cs typeface="Courier New" panose="02070309020205020404" pitchFamily="49" charset="0"/>
+              </a:rPr>
+              <a:t>with</a:t>
+            </a:r>
+            <a:r>
+              <a:rPr lang="fr-FR" sz="1600" dirty="0">
+                <a:latin typeface="Courier New" panose="02070309020205020404" pitchFamily="49" charset="0"/>
+                <a:cs typeface="Courier New" panose="02070309020205020404" pitchFamily="49" charset="0"/>
+              </a:rPr>
+              <a:t> open("</a:t>
+            </a:r>
+            <a:r>
+              <a:rPr lang="fr-FR" sz="1600" dirty="0" err="1">
+                <a:latin typeface="Courier New" panose="02070309020205020404" pitchFamily="49" charset="0"/>
+                <a:cs typeface="Courier New" panose="02070309020205020404" pitchFamily="49" charset="0"/>
+              </a:rPr>
+              <a:t>model.onnx</a:t>
+            </a:r>
+            <a:r>
+              <a:rPr lang="fr-FR" sz="1600" dirty="0">
+                <a:latin typeface="Courier New" panose="02070309020205020404" pitchFamily="49" charset="0"/>
+                <a:cs typeface="Courier New" panose="02070309020205020404" pitchFamily="49" charset="0"/>
+              </a:rPr>
+              <a:t>", "</a:t>
+            </a:r>
+            <a:r>
+              <a:rPr lang="fr-FR" sz="1600" dirty="0" err="1">
+                <a:latin typeface="Courier New" panose="02070309020205020404" pitchFamily="49" charset="0"/>
+                <a:cs typeface="Courier New" panose="02070309020205020404" pitchFamily="49" charset="0"/>
+              </a:rPr>
+              <a:t>wb</a:t>
+            </a:r>
+            <a:r>
+              <a:rPr lang="fr-FR" sz="1600" dirty="0">
+                <a:latin typeface="Courier New" panose="02070309020205020404" pitchFamily="49" charset="0"/>
+                <a:cs typeface="Courier New" panose="02070309020205020404" pitchFamily="49" charset="0"/>
+              </a:rPr>
+              <a:t>") as f:</a:t>
+            </a:r>
+          </a:p>
+          <a:p>
+            <a:pPr marL="457200" lvl="1" indent="0">
+              <a:buNone/>
+            </a:pPr>
+            <a:r>
+              <a:rPr lang="fr-FR" sz="1600" dirty="0">
+                <a:latin typeface="Courier New" panose="02070309020205020404" pitchFamily="49" charset="0"/>
+                <a:cs typeface="Courier New" panose="02070309020205020404" pitchFamily="49" charset="0"/>
+              </a:rPr>
+              <a:t>    </a:t>
+            </a:r>
+            <a:r>
+              <a:rPr lang="fr-FR" sz="1600" dirty="0" err="1">
+                <a:latin typeface="Courier New" panose="02070309020205020404" pitchFamily="49" charset="0"/>
+                <a:cs typeface="Courier New" panose="02070309020205020404" pitchFamily="49" charset="0"/>
+              </a:rPr>
+              <a:t>f.write</a:t>
+            </a:r>
+            <a:r>
+              <a:rPr lang="fr-FR" sz="1600" dirty="0">
+                <a:latin typeface="Courier New" panose="02070309020205020404" pitchFamily="49" charset="0"/>
+                <a:cs typeface="Courier New" panose="02070309020205020404" pitchFamily="49" charset="0"/>
+              </a:rPr>
+              <a:t>(</a:t>
+            </a:r>
+            <a:r>
+              <a:rPr lang="fr-FR" sz="1600" dirty="0" err="1">
+                <a:latin typeface="Courier New" panose="02070309020205020404" pitchFamily="49" charset="0"/>
+                <a:cs typeface="Courier New" panose="02070309020205020404" pitchFamily="49" charset="0"/>
+              </a:rPr>
+              <a:t>onnx.SerializeToString</a:t>
+            </a:r>
+            <a:r>
+              <a:rPr lang="fr-FR" sz="1600" dirty="0">
+                <a:latin typeface="Courier New" panose="02070309020205020404" pitchFamily="49" charset="0"/>
+                <a:cs typeface="Courier New" panose="02070309020205020404" pitchFamily="49" charset="0"/>
+              </a:rPr>
+              <a:t>())</a:t>
+            </a:r>
+          </a:p>
+          <a:p>
+            <a:r>
+              <a:rPr lang="fr-FR" dirty="0"/>
+              <a:t>.NET</a:t>
+            </a:r>
+          </a:p>
+          <a:p>
+            <a:pPr lvl="1"/>
+            <a:r>
+              <a:rPr lang="fr-FR" sz="2000" dirty="0"/>
+              <a:t>new </a:t>
+            </a:r>
+            <a:r>
+              <a:rPr lang="fr-FR" sz="2000" dirty="0" err="1"/>
+              <a:t>InferenceSession</a:t>
+            </a:r>
+            <a:r>
+              <a:rPr lang="fr-FR" sz="2000" dirty="0"/>
+              <a:t>("</a:t>
+            </a:r>
+            <a:r>
+              <a:rPr lang="fr-FR" sz="2000" dirty="0" err="1"/>
+              <a:t>model.onnx</a:t>
+            </a:r>
+            <a:r>
+              <a:rPr lang="fr-FR" sz="2000" dirty="0"/>
+              <a:t>")</a:t>
+            </a:r>
+          </a:p>
+          <a:p>
+            <a:pPr lvl="1"/>
+            <a:r>
+              <a:rPr lang="fr-FR" sz="2000" dirty="0"/>
+              <a:t>https://towardsdatascience.com/deploy-sci-kit-learn-models-in-net-core-applications-90e24e572f64</a:t>
+            </a:r>
+          </a:p>
+        </p:txBody>
+      </p:sp>
+    </p:spTree>
+    <p:extLst>
+      <p:ext uri="{BB962C8B-B14F-4D97-AF65-F5344CB8AC3E}">
+        <p14:creationId xmlns:p14="http://schemas.microsoft.com/office/powerpoint/2010/main" val="4017057312"/>
+      </p:ext>
+    </p:extLst>
+  </p:cSld>
+  <p:clrMapOvr>
+    <a:masterClrMapping/>
+  </p:clrMapOvr>
+</p:sld>
+</file>
+
+<file path=ppt/slides/slide14.xml><?xml version="1.0" encoding="utf-8"?>
 <p:sld xmlns:a="http://schemas.openxmlformats.org/drawingml/2006/main" xmlns:r="http://schemas.openxmlformats.org/officeDocument/2006/relationships" xmlns:p="http://schemas.openxmlformats.org/presentationml/2006/main">
   <p:cSld>
     <p:spTree>
@@ -4579,10 +4830,9 @@
           <a:lstStyle/>
           <a:p>
             <a:r>
-              <a:rPr lang="fr-FR" dirty="0" smtClean="0"/>
+              <a:rPr lang="fr-FR" dirty="0"/>
               <a:t>Réentrainement</a:t>
             </a:r>
-            <a:endParaRPr lang="fr-FR" dirty="0"/>
           </a:p>
         </p:txBody>
       </p:sp>
@@ -4602,73 +4852,73 @@
           <a:lstStyle/>
           <a:p>
             <a:r>
-              <a:rPr lang="fr-FR" dirty="0" smtClean="0"/>
+              <a:rPr lang="fr-FR" dirty="0"/>
               <a:t>Après la solidification du modèle il peut être utile de </a:t>
             </a:r>
             <a:r>
-              <a:rPr lang="fr-FR" dirty="0" err="1" smtClean="0"/>
+              <a:rPr lang="fr-FR" dirty="0" err="1"/>
               <a:t>réentrainer</a:t>
             </a:r>
             <a:r>
-              <a:rPr lang="fr-FR" dirty="0" smtClean="0"/>
+              <a:rPr lang="fr-FR" dirty="0"/>
               <a:t> un modèle</a:t>
             </a:r>
           </a:p>
           <a:p>
             <a:pPr lvl="1"/>
             <a:r>
-              <a:rPr lang="fr-FR" dirty="0" smtClean="0"/>
+              <a:rPr lang="fr-FR" dirty="0"/>
               <a:t>Lors que l'on possède d'avantages de données</a:t>
             </a:r>
           </a:p>
           <a:p>
             <a:pPr lvl="1"/>
             <a:r>
-              <a:rPr lang="fr-FR" dirty="0" smtClean="0"/>
+              <a:rPr lang="fr-FR" dirty="0"/>
               <a:t>Utile si le premier apprentissage a été très couteux</a:t>
             </a:r>
           </a:p>
           <a:p>
             <a:pPr lvl="1"/>
             <a:r>
-              <a:rPr lang="fr-FR" dirty="0" err="1" smtClean="0"/>
+              <a:rPr lang="fr-FR" dirty="0" err="1"/>
               <a:t>RandomForestClassifier</a:t>
             </a:r>
             <a:r>
-              <a:rPr lang="fr-FR" dirty="0" smtClean="0"/>
+              <a:rPr lang="fr-FR" dirty="0"/>
               <a:t>(</a:t>
             </a:r>
             <a:r>
-              <a:rPr lang="fr-FR" dirty="0" err="1" smtClean="0"/>
+              <a:rPr lang="fr-FR" dirty="0" err="1"/>
               <a:t>warm_start</a:t>
             </a:r>
             <a:r>
-              <a:rPr lang="fr-FR" dirty="0" smtClean="0"/>
+              <a:rPr lang="fr-FR" dirty="0"/>
               <a:t> = </a:t>
             </a:r>
             <a:r>
-              <a:rPr lang="fr-FR" dirty="0" err="1" smtClean="0"/>
+              <a:rPr lang="fr-FR" dirty="0" err="1"/>
               <a:t>True</a:t>
             </a:r>
             <a:r>
-              <a:rPr lang="fr-FR" dirty="0" smtClean="0"/>
+              <a:rPr lang="fr-FR" dirty="0"/>
               <a:t>)</a:t>
             </a:r>
           </a:p>
           <a:p>
             <a:pPr lvl="1"/>
             <a:r>
-              <a:rPr lang="fr-FR" dirty="0" smtClean="0"/>
+              <a:rPr lang="fr-FR" dirty="0"/>
               <a:t>Part d'un seul arbre entrainé et le clone par </a:t>
             </a:r>
             <a:r>
-              <a:rPr lang="fr-FR" dirty="0" err="1" smtClean="0"/>
+              <a:rPr lang="fr-FR" dirty="0" err="1"/>
               <a:t>bagging</a:t>
             </a:r>
-            <a:endParaRPr lang="fr-FR" dirty="0" smtClean="0"/>
-          </a:p>
-          <a:p>
-            <a:endParaRPr lang="fr-FR" dirty="0" smtClean="0"/>
+            <a:endParaRPr lang="fr-FR" dirty="0"/>
+          </a:p>
+          <a:p>
+            <a:endParaRPr lang="fr-FR" dirty="0"/>
           </a:p>
           <a:p>
             <a:pPr lvl="1"/>
@@ -4686,13 +4936,6 @@
   <p:clrMapOvr>
     <a:masterClrMapping/>
   </p:clrMapOvr>
-  <p:timing>
-    <p:tnLst>
-      <p:par>
-        <p:cTn id="1" dur="indefinite" restart="never" nodeType="tmRoot"/>
-      </p:par>
-    </p:tnLst>
-  </p:timing>
 </p:sld>
 </file>
 
@@ -4729,10 +4972,9 @@
           <a:lstStyle/>
           <a:p>
             <a:r>
-              <a:rPr lang="fr-FR" dirty="0" smtClean="0"/>
+              <a:rPr lang="fr-FR" dirty="0"/>
               <a:t>Autres modèles</a:t>
             </a:r>
-            <a:endParaRPr lang="fr-FR" dirty="0"/>
           </a:p>
         </p:txBody>
       </p:sp>
@@ -4752,32 +4994,31 @@
           <a:lstStyle/>
           <a:p>
             <a:r>
-              <a:rPr lang="fr-FR" dirty="0" smtClean="0"/>
+              <a:rPr lang="fr-FR" dirty="0"/>
               <a:t>Il existe de nombreux autres modèles de classification</a:t>
             </a:r>
           </a:p>
           <a:p>
             <a:pPr lvl="1"/>
             <a:r>
-              <a:rPr lang="fr-FR" dirty="0" err="1" smtClean="0"/>
+              <a:rPr lang="fr-FR" dirty="0" err="1"/>
               <a:t>RandomForest</a:t>
             </a:r>
-            <a:endParaRPr lang="fr-FR" dirty="0" smtClean="0"/>
+            <a:endParaRPr lang="fr-FR" dirty="0"/>
           </a:p>
           <a:p>
             <a:pPr lvl="1"/>
             <a:r>
-              <a:rPr lang="fr-FR" dirty="0" smtClean="0"/>
+              <a:rPr lang="fr-FR" dirty="0"/>
               <a:t>KVM</a:t>
             </a:r>
           </a:p>
           <a:p>
             <a:pPr lvl="1"/>
             <a:r>
-              <a:rPr lang="fr-FR" dirty="0" smtClean="0"/>
+              <a:rPr lang="fr-FR" dirty="0"/>
               <a:t>…</a:t>
             </a:r>
-            <a:endParaRPr lang="fr-FR" dirty="0"/>
           </a:p>
         </p:txBody>
       </p:sp>
@@ -4791,13 +5032,6 @@
   <p:clrMapOvr>
     <a:masterClrMapping/>
   </p:clrMapOvr>
-  <p:timing>
-    <p:tnLst>
-      <p:par>
-        <p:cTn id="1" dur="indefinite" restart="never" nodeType="tmRoot"/>
-      </p:par>
-    </p:tnLst>
-  </p:timing>
 </p:sld>
 </file>
 
@@ -4834,14 +5068,13 @@
           <a:lstStyle/>
           <a:p>
             <a:r>
-              <a:rPr lang="fr-FR" dirty="0" err="1" smtClean="0"/>
+              <a:rPr lang="fr-FR" dirty="0" err="1"/>
               <a:t>Random</a:t>
             </a:r>
             <a:r>
-              <a:rPr lang="fr-FR" dirty="0" smtClean="0"/>
+              <a:rPr lang="fr-FR" dirty="0"/>
               <a:t> Forest</a:t>
             </a:r>
-            <a:endParaRPr lang="fr-FR" dirty="0"/>
           </a:p>
         </p:txBody>
       </p:sp>
@@ -4862,15 +5095,7 @@
           <a:p>
             <a:r>
               <a:rPr lang="fr-FR" dirty="0"/>
-              <a:t>Les forêts d'arbres </a:t>
-            </a:r>
-            <a:r>
-              <a:rPr lang="fr-FR" dirty="0" smtClean="0"/>
-              <a:t>décisionnels ont </a:t>
-            </a:r>
-            <a:r>
-              <a:rPr lang="fr-FR" dirty="0"/>
-              <a:t>été formellement proposées en 2001 par Leo </a:t>
+              <a:t>Les forêts d'arbres décisionnels ont été formellement proposées en 2001 par Leo </a:t>
             </a:r>
             <a:r>
               <a:rPr lang="fr-FR" dirty="0" err="1"/>
@@ -4881,34 +5106,26 @@
               <a:t> et Adèle </a:t>
             </a:r>
             <a:r>
-              <a:rPr lang="fr-FR" dirty="0" err="1" smtClean="0"/>
+              <a:rPr lang="fr-FR" dirty="0" err="1"/>
               <a:t>Cutler</a:t>
             </a:r>
-            <a:endParaRPr lang="fr-FR" dirty="0" smtClean="0"/>
-          </a:p>
-          <a:p>
-            <a:r>
-              <a:rPr lang="fr-FR" dirty="0" smtClean="0"/>
-              <a:t>Cet </a:t>
-            </a:r>
+            <a:endParaRPr lang="fr-FR" dirty="0"/>
+          </a:p>
+          <a:p>
             <a:r>
               <a:rPr lang="fr-FR" dirty="0"/>
-              <a:t>algorithme combine les concepts de sous-espaces aléatoires et de </a:t>
-            </a:r>
-            <a:r>
-              <a:rPr lang="fr-FR" dirty="0" err="1" smtClean="0"/>
+              <a:t>Cet algorithme combine les concepts de sous-espaces aléatoires et de </a:t>
+            </a:r>
+            <a:r>
+              <a:rPr lang="fr-FR" dirty="0" err="1"/>
               <a:t>bagging</a:t>
             </a:r>
-            <a:endParaRPr lang="fr-FR" dirty="0" smtClean="0"/>
-          </a:p>
-          <a:p>
-            <a:r>
-              <a:rPr lang="fr-FR" dirty="0" smtClean="0"/>
-              <a:t>L'algorithme </a:t>
-            </a:r>
+            <a:endParaRPr lang="fr-FR" dirty="0"/>
+          </a:p>
+          <a:p>
             <a:r>
               <a:rPr lang="fr-FR" dirty="0"/>
-              <a:t>des forêts d'arbres décisionnels effectue un apprentissage sur de multiples arbres de décision entraînés sur des sous-ensembles de données légèrement différents</a:t>
+              <a:t>L'algorithme des forêts d'arbres décisionnels effectue un apprentissage sur de multiples arbres de décision entraînés sur des sous-ensembles de données légèrement différents</a:t>
             </a:r>
           </a:p>
         </p:txBody>
@@ -4923,13 +5140,6 @@
   <p:clrMapOvr>
     <a:masterClrMapping/>
   </p:clrMapOvr>
-  <p:timing>
-    <p:tnLst>
-      <p:par>
-        <p:cTn id="1" dur="indefinite" restart="never" nodeType="tmRoot"/>
-      </p:par>
-    </p:tnLst>
-  </p:timing>
 </p:sld>
 </file>
 
@@ -4966,14 +5176,13 @@
           <a:lstStyle/>
           <a:p>
             <a:r>
-              <a:rPr lang="fr-FR" dirty="0" err="1" smtClean="0"/>
+              <a:rPr lang="fr-FR" dirty="0" err="1"/>
               <a:t>Random</a:t>
             </a:r>
             <a:r>
-              <a:rPr lang="fr-FR" dirty="0" smtClean="0"/>
+              <a:rPr lang="fr-FR" dirty="0"/>
               <a:t> Forest</a:t>
             </a:r>
-            <a:endParaRPr lang="fr-FR" dirty="0"/>
           </a:p>
         </p:txBody>
       </p:sp>
@@ -4996,115 +5205,59 @@
               <a:buNone/>
             </a:pPr>
             <a:r>
-              <a:rPr lang="fr-FR" sz="2400" dirty="0" smtClean="0"/>
-              <a:t>On créé B nouveaux </a:t>
-            </a:r>
-            <a:r>
               <a:rPr lang="fr-FR" sz="2400" dirty="0"/>
-              <a:t>ensembles d'apprentissage par un double processus d'échantillonnage :</a:t>
+              <a:t>On créé B nouveaux ensembles d'apprentissage par un double processus d'échantillonnage :</a:t>
             </a:r>
           </a:p>
           <a:p>
             <a:pPr lvl="1"/>
             <a:r>
               <a:rPr lang="fr-FR" sz="2000" dirty="0"/>
-              <a:t>sur les observations, en utilisant un tirage avec remise d'un nombre </a:t>
-            </a:r>
-            <a:r>
-              <a:rPr lang="fr-FR" sz="2000" dirty="0" smtClean="0"/>
-              <a:t>N d'observations </a:t>
-            </a:r>
+              <a:t>sur les observations, en utilisant un tirage avec remise d'un nombre N d'observations identique à celui des données d'origine</a:t>
+            </a:r>
+          </a:p>
+          <a:p>
+            <a:pPr lvl="1"/>
             <a:r>
               <a:rPr lang="fr-FR" sz="2000" dirty="0"/>
-              <a:t>identique à celui des données </a:t>
-            </a:r>
-            <a:r>
-              <a:rPr lang="fr-FR" sz="2000" dirty="0" smtClean="0"/>
-              <a:t>d'origine</a:t>
+              <a:t>et sur les p prédicteurs, en n'en retenant qu'un échantillon de cardinal m &lt; </a:t>
+            </a:r>
+            <a:r>
+              <a:rPr lang="fr-FR" sz="2000" dirty="0" err="1"/>
+              <a:t>sqrt</a:t>
+            </a:r>
+            <a:r>
+              <a:rPr lang="fr-FR" sz="2000" dirty="0"/>
+              <a:t>(p)</a:t>
             </a:r>
           </a:p>
           <a:p>
             <a:pPr lvl="1"/>
             <a:r>
-              <a:rPr lang="fr-FR" sz="2000" dirty="0" smtClean="0"/>
-              <a:t>et </a:t>
-            </a:r>
-            <a:r>
               <a:rPr lang="fr-FR" sz="2000" dirty="0"/>
-              <a:t>sur les </a:t>
-            </a:r>
-            <a:r>
-              <a:rPr lang="fr-FR" sz="2000" dirty="0" smtClean="0"/>
-              <a:t>p prédicteurs</a:t>
-            </a:r>
+              <a:t>Sur chaque échantillon, on entraîne un arbre de décision selon une des techniques connues, en limitant sa croissance par validation croisée</a:t>
+            </a:r>
+          </a:p>
+          <a:p>
+            <a:pPr lvl="1"/>
             <a:r>
               <a:rPr lang="fr-FR" sz="2000" dirty="0"/>
-              <a:t>, en n'en retenant qu'un échantillon de cardinal </a:t>
-            </a:r>
-            <a:r>
-              <a:rPr lang="fr-FR" sz="2000" dirty="0" smtClean="0"/>
-              <a:t>m &lt; </a:t>
-            </a:r>
-            <a:r>
-              <a:rPr lang="fr-FR" sz="2000" dirty="0" err="1" smtClean="0"/>
-              <a:t>sqrt</a:t>
-            </a:r>
-            <a:r>
-              <a:rPr lang="fr-FR" sz="2000" dirty="0" smtClean="0"/>
-              <a:t>(p)</a:t>
-            </a:r>
-            <a:endParaRPr lang="fr-FR" sz="2000" dirty="0"/>
+              <a:t>On stocke les B prédictions de la variable d'intérêt pour chaque observation d'origine.</a:t>
+            </a:r>
           </a:p>
           <a:p>
             <a:pPr lvl="1"/>
             <a:r>
               <a:rPr lang="fr-FR" sz="2000" dirty="0"/>
-              <a:t>Sur chaque échantillon, on entraîne un arbre de décision selon une des techniques connues, en limitant sa croissance par validation </a:t>
-            </a:r>
-            <a:r>
-              <a:rPr lang="fr-FR" sz="2000" dirty="0" smtClean="0"/>
-              <a:t>croisée</a:t>
-            </a:r>
-            <a:endParaRPr lang="fr-FR" sz="2000" dirty="0"/>
+              <a:t>La prédiction de la forêt aléatoire est alors un simple vote majoritaire</a:t>
+            </a:r>
           </a:p>
           <a:p>
             <a:pPr lvl="1"/>
             <a:r>
               <a:rPr lang="fr-FR" sz="2000" dirty="0"/>
-              <a:t>On stocke les </a:t>
-            </a:r>
-            <a:r>
-              <a:rPr lang="fr-FR" sz="2000" dirty="0" smtClean="0"/>
-              <a:t>B prédictions </a:t>
-            </a:r>
-            <a:r>
-              <a:rPr lang="fr-FR" sz="2000" dirty="0"/>
-              <a:t>de la variable d'intérêt pour chaque observation d'origine.</a:t>
-            </a:r>
-          </a:p>
-          <a:p>
-            <a:pPr lvl="1"/>
-            <a:r>
-              <a:rPr lang="fr-FR" sz="2000" dirty="0"/>
-              <a:t>La prédiction de la forêt aléatoire est alors un simple vote </a:t>
-            </a:r>
-            <a:r>
-              <a:rPr lang="fr-FR" sz="2000" dirty="0" smtClean="0"/>
-              <a:t>majoritaire</a:t>
-            </a:r>
-            <a:endParaRPr lang="fr-FR" sz="2000" dirty="0"/>
-          </a:p>
-          <a:p>
-            <a:pPr lvl="1"/>
-            <a:r>
-              <a:rPr lang="fr-FR" sz="2000" dirty="0"/>
-              <a:t>Le principal revers de cette méthode est que l'on perd l'aspect visuel des arbres de décision </a:t>
-            </a:r>
-            <a:r>
-              <a:rPr lang="fr-FR" sz="2000" dirty="0" smtClean="0"/>
-              <a:t>uniques</a:t>
-            </a:r>
-            <a:endParaRPr lang="fr-FR" sz="2000" dirty="0"/>
+              <a:t>Le principal revers de cette méthode est que l'on perd l'aspect visuel des arbres de décision uniques</a:t>
+            </a:r>
           </a:p>
         </p:txBody>
       </p:sp>
@@ -5118,13 +5271,6 @@
   <p:clrMapOvr>
     <a:masterClrMapping/>
   </p:clrMapOvr>
-  <p:timing>
-    <p:tnLst>
-      <p:par>
-        <p:cTn id="1" dur="indefinite" restart="never" nodeType="tmRoot"/>
-      </p:par>
-    </p:tnLst>
-  </p:timing>
 </p:sld>
 </file>
 
@@ -5161,10 +5307,9 @@
           <a:lstStyle/>
           <a:p>
             <a:r>
-              <a:rPr lang="fr-FR" dirty="0" smtClean="0"/>
+              <a:rPr lang="fr-FR" dirty="0"/>
               <a:t>Asymétrie</a:t>
             </a:r>
-            <a:endParaRPr lang="fr-FR" dirty="0"/>
           </a:p>
         </p:txBody>
       </p:sp>
@@ -5184,35 +5329,34 @@
           <a:lstStyle/>
           <a:p>
             <a:r>
-              <a:rPr lang="fr-FR" dirty="0" err="1" smtClean="0"/>
+              <a:rPr lang="fr-FR" dirty="0" err="1"/>
               <a:t>Random</a:t>
             </a:r>
             <a:r>
-              <a:rPr lang="fr-FR" dirty="0" smtClean="0"/>
+              <a:rPr lang="fr-FR" dirty="0"/>
               <a:t> Forest est un modèle asymétrique</a:t>
             </a:r>
           </a:p>
           <a:p>
             <a:pPr lvl="1"/>
             <a:r>
-              <a:rPr lang="fr-FR" dirty="0" smtClean="0"/>
+              <a:rPr lang="fr-FR" dirty="0"/>
               <a:t>Apprentissage couteux</a:t>
             </a:r>
           </a:p>
           <a:p>
             <a:pPr lvl="1"/>
             <a:r>
-              <a:rPr lang="fr-FR" dirty="0" smtClean="0"/>
+              <a:rPr lang="fr-FR" dirty="0"/>
               <a:t>Prédiction rapide</a:t>
             </a:r>
           </a:p>
           <a:p>
             <a:pPr lvl="1"/>
             <a:r>
-              <a:rPr lang="fr-FR" dirty="0" smtClean="0"/>
+              <a:rPr lang="fr-FR" dirty="0"/>
               <a:t>Très utile</a:t>
             </a:r>
-            <a:endParaRPr lang="fr-FR" dirty="0"/>
           </a:p>
         </p:txBody>
       </p:sp>
@@ -5226,13 +5370,6 @@
   <p:clrMapOvr>
     <a:masterClrMapping/>
   </p:clrMapOvr>
-  <p:timing>
-    <p:tnLst>
-      <p:par>
-        <p:cTn id="1" dur="indefinite" restart="never" nodeType="tmRoot"/>
-      </p:par>
-    </p:tnLst>
-  </p:timing>
 </p:sld>
 </file>
 
@@ -5269,14 +5406,13 @@
           <a:lstStyle/>
           <a:p>
             <a:r>
-              <a:rPr lang="fr-FR" dirty="0" err="1" smtClean="0"/>
+              <a:rPr lang="fr-FR" dirty="0" err="1"/>
               <a:t>Random</a:t>
             </a:r>
             <a:r>
-              <a:rPr lang="fr-FR" dirty="0" smtClean="0"/>
+              <a:rPr lang="fr-FR" dirty="0"/>
               <a:t> Forest</a:t>
             </a:r>
-            <a:endParaRPr lang="fr-FR" dirty="0"/>
           </a:p>
         </p:txBody>
       </p:sp>
@@ -5296,67 +5432,67 @@
           <a:lstStyle/>
           <a:p>
             <a:r>
-              <a:rPr lang="fr-FR" dirty="0" smtClean="0"/>
+              <a:rPr lang="fr-FR" dirty="0"/>
               <a:t>Exemple</a:t>
             </a:r>
           </a:p>
           <a:p>
             <a:pPr lvl="1"/>
             <a:r>
-              <a:rPr lang="fr-FR" dirty="0" smtClean="0"/>
+              <a:rPr lang="fr-FR" dirty="0"/>
               <a:t>import </a:t>
             </a:r>
             <a:r>
-              <a:rPr lang="fr-FR" dirty="0" err="1" smtClean="0"/>
+              <a:rPr lang="fr-FR" dirty="0" err="1"/>
               <a:t>sk.ensemble</a:t>
             </a:r>
             <a:r>
-              <a:rPr lang="fr-FR" dirty="0" smtClean="0"/>
+              <a:rPr lang="fr-FR" dirty="0"/>
               <a:t> as </a:t>
             </a:r>
             <a:r>
-              <a:rPr lang="fr-FR" dirty="0" err="1" smtClean="0"/>
+              <a:rPr lang="fr-FR" dirty="0" err="1"/>
               <a:t>rf</a:t>
             </a:r>
-            <a:endParaRPr lang="fr-FR" dirty="0" smtClean="0"/>
+            <a:endParaRPr lang="fr-FR" dirty="0"/>
           </a:p>
           <a:p>
             <a:pPr lvl="1"/>
             <a:r>
-              <a:rPr lang="fr-FR" dirty="0" smtClean="0"/>
+              <a:rPr lang="fr-FR" dirty="0"/>
               <a:t>model = </a:t>
             </a:r>
             <a:r>
-              <a:rPr lang="fr-FR" dirty="0" err="1" smtClean="0"/>
+              <a:rPr lang="fr-FR" dirty="0" err="1"/>
               <a:t>rf.RandomForestClassifier</a:t>
             </a:r>
             <a:r>
-              <a:rPr lang="fr-FR" dirty="0" smtClean="0"/>
+              <a:rPr lang="fr-FR" dirty="0"/>
               <a:t>(</a:t>
             </a:r>
             <a:r>
-              <a:rPr lang="fr-FR" dirty="0" err="1" smtClean="0"/>
+              <a:rPr lang="fr-FR" dirty="0" err="1"/>
               <a:t>n_estimators</a:t>
             </a:r>
             <a:r>
-              <a:rPr lang="fr-FR" dirty="0" smtClean="0"/>
+              <a:rPr lang="fr-FR" dirty="0"/>
               <a:t>=100)</a:t>
             </a:r>
           </a:p>
           <a:p>
             <a:r>
-              <a:rPr lang="fr-FR" dirty="0" smtClean="0"/>
+              <a:rPr lang="fr-FR" dirty="0"/>
               <a:t>Très puissant</a:t>
             </a:r>
           </a:p>
           <a:p>
             <a:pPr lvl="1"/>
             <a:r>
-              <a:rPr lang="fr-FR" dirty="0" smtClean="0"/>
+              <a:rPr lang="fr-FR" dirty="0"/>
               <a:t>Bien plus gourmand que </a:t>
             </a:r>
             <a:r>
-              <a:rPr lang="fr-FR" dirty="0" err="1" smtClean="0"/>
+              <a:rPr lang="fr-FR" dirty="0" err="1"/>
               <a:t>kNN</a:t>
             </a:r>
             <a:endParaRPr lang="fr-FR" dirty="0"/>
@@ -5373,13 +5509,6 @@
   <p:clrMapOvr>
     <a:masterClrMapping/>
   </p:clrMapOvr>
-  <p:timing>
-    <p:tnLst>
-      <p:par>
-        <p:cTn id="1" dur="indefinite" restart="never" nodeType="tmRoot"/>
-      </p:par>
-    </p:tnLst>
-  </p:timing>
 </p:sld>
 </file>
 
@@ -5416,10 +5545,9 @@
           <a:lstStyle/>
           <a:p>
             <a:r>
-              <a:rPr lang="fr-FR" dirty="0" smtClean="0"/>
+              <a:rPr lang="fr-FR" dirty="0"/>
               <a:t>Exemple Iris</a:t>
             </a:r>
-            <a:endParaRPr lang="fr-FR" dirty="0"/>
           </a:p>
         </p:txBody>
       </p:sp>
@@ -5493,13 +5621,6 @@
   <p:clrMapOvr>
     <a:masterClrMapping/>
   </p:clrMapOvr>
-  <p:timing>
-    <p:tnLst>
-      <p:par>
-        <p:cTn id="1" dur="indefinite" restart="never" nodeType="tmRoot"/>
-      </p:par>
-    </p:tnLst>
-  </p:timing>
 </p:sld>
 </file>
 
@@ -5536,11 +5657,11 @@
           <a:lstStyle/>
           <a:p>
             <a:r>
-              <a:rPr lang="fr-FR" dirty="0" smtClean="0"/>
+              <a:rPr lang="fr-FR" dirty="0"/>
               <a:t>Importances des </a:t>
             </a:r>
             <a:r>
-              <a:rPr lang="fr-FR" dirty="0" err="1" smtClean="0"/>
+              <a:rPr lang="fr-FR" dirty="0" err="1"/>
               <a:t>features</a:t>
             </a:r>
             <a:endParaRPr lang="fr-FR" dirty="0"/>
@@ -5563,33 +5684,33 @@
           <a:lstStyle/>
           <a:p>
             <a:r>
-              <a:rPr lang="fr-FR" dirty="0" smtClean="0"/>
+              <a:rPr lang="fr-FR" dirty="0"/>
               <a:t>Les précédents algorithmes ne permettaient pas de connaître l'importance de chaque </a:t>
             </a:r>
             <a:r>
-              <a:rPr lang="fr-FR" dirty="0" err="1" smtClean="0"/>
+              <a:rPr lang="fr-FR" dirty="0" err="1"/>
               <a:t>feature</a:t>
             </a:r>
-            <a:endParaRPr lang="fr-FR" dirty="0" smtClean="0"/>
-          </a:p>
-          <a:p>
-            <a:r>
-              <a:rPr lang="fr-FR" dirty="0" smtClean="0"/>
+            <a:endParaRPr lang="fr-FR" dirty="0"/>
+          </a:p>
+          <a:p>
+            <a:r>
+              <a:rPr lang="fr-FR" dirty="0"/>
               <a:t>Il est souvent utile de savoir les </a:t>
             </a:r>
             <a:r>
-              <a:rPr lang="fr-FR" dirty="0" err="1" smtClean="0"/>
+              <a:rPr lang="fr-FR" dirty="0" err="1"/>
               <a:t>features</a:t>
             </a:r>
             <a:r>
-              <a:rPr lang="fr-FR" dirty="0" smtClean="0"/>
+              <a:rPr lang="fr-FR" dirty="0"/>
               <a:t> prépondérantes</a:t>
             </a:r>
           </a:p>
           <a:p>
             <a:pPr lvl="1"/>
             <a:r>
-              <a:rPr lang="fr-FR" dirty="0" smtClean="0"/>
+              <a:rPr lang="fr-FR" dirty="0"/>
               <a:t>Et l'inverse celle qui ne le sont pas</a:t>
             </a:r>
           </a:p>
@@ -5602,7 +5723,7 @@
           </a:p>
           <a:p>
             <a:pPr lvl="1"/>
-            <a:endParaRPr lang="fr-FR" dirty="0" smtClean="0"/>
+            <a:endParaRPr lang="fr-FR" dirty="0"/>
           </a:p>
           <a:p>
             <a:endParaRPr lang="fr-FR" dirty="0"/>
@@ -5619,13 +5740,6 @@
   <p:clrMapOvr>
     <a:masterClrMapping/>
   </p:clrMapOvr>
-  <p:timing>
-    <p:tnLst>
-      <p:par>
-        <p:cTn id="1" dur="indefinite" restart="never" nodeType="tmRoot"/>
-      </p:par>
-    </p:tnLst>
-  </p:timing>
 </p:sld>
 </file>
 
@@ -5662,11 +5776,11 @@
           <a:lstStyle/>
           <a:p>
             <a:r>
-              <a:rPr lang="fr-FR" dirty="0" smtClean="0"/>
+              <a:rPr lang="fr-FR" dirty="0"/>
               <a:t>Importance </a:t>
             </a:r>
             <a:r>
-              <a:rPr lang="fr-FR" dirty="0" err="1" smtClean="0"/>
+              <a:rPr lang="fr-FR" dirty="0" err="1"/>
               <a:t>Feature</a:t>
             </a:r>
             <a:endParaRPr lang="fr-FR" dirty="0"/>
@@ -5689,29 +5803,28 @@
           <a:lstStyle/>
           <a:p>
             <a:r>
-              <a:rPr lang="fr-FR" dirty="0" err="1" smtClean="0"/>
+              <a:rPr lang="fr-FR" dirty="0" err="1"/>
               <a:t>forest.feature_importances</a:t>
             </a:r>
             <a:r>
-              <a:rPr lang="fr-FR" dirty="0" smtClean="0"/>
+              <a:rPr lang="fr-FR" dirty="0"/>
               <a:t>_</a:t>
             </a:r>
           </a:p>
           <a:p>
             <a:pPr lvl="1"/>
             <a:r>
-              <a:rPr lang="fr-FR" dirty="0" smtClean="0"/>
+              <a:rPr lang="fr-FR" dirty="0"/>
               <a:t>Permet de donner pour chaque </a:t>
             </a:r>
             <a:r>
-              <a:rPr lang="fr-FR" dirty="0" err="1" smtClean="0"/>
+              <a:rPr lang="fr-FR" dirty="0" err="1"/>
               <a:t>feature</a:t>
             </a:r>
             <a:r>
-              <a:rPr lang="fr-FR" dirty="0" smtClean="0"/>
+              <a:rPr lang="fr-FR" dirty="0"/>
               <a:t> son importance sur 1</a:t>
             </a:r>
-            <a:endParaRPr lang="fr-FR" dirty="0"/>
           </a:p>
         </p:txBody>
       </p:sp>
@@ -5725,13 +5838,6 @@
   <p:clrMapOvr>
     <a:masterClrMapping/>
   </p:clrMapOvr>
-  <p:timing>
-    <p:tnLst>
-      <p:par>
-        <p:cTn id="1" dur="indefinite" restart="never" nodeType="tmRoot"/>
-      </p:par>
-    </p:tnLst>
-  </p:timing>
 </p:sld>
 </file>
 

--- a/PPT/MachineLearning15-RandomForest.pptx
+++ b/PPT/MachineLearning15-RandomForest.pptx
@@ -3779,6 +3779,13 @@
   <p:clrMapOvr>
     <a:masterClrMapping/>
   </p:clrMapOvr>
+  <p:timing>
+    <p:tnLst>
+      <p:par>
+        <p:cTn id="1" dur="indefinite" restart="never" nodeType="tmRoot"/>
+      </p:par>
+    </p:tnLst>
+  </p:timing>
 </p:sld>
 </file>
 
@@ -3890,6 +3897,13 @@
   <p:clrMapOvr>
     <a:masterClrMapping/>
   </p:clrMapOvr>
+  <p:timing>
+    <p:tnLst>
+      <p:par>
+        <p:cTn id="1" dur="indefinite" restart="never" nodeType="tmRoot"/>
+      </p:par>
+    </p:tnLst>
+  </p:timing>
 </p:sld>
 </file>
 
@@ -4332,6 +4346,13 @@
   <p:clrMapOvr>
     <a:masterClrMapping/>
   </p:clrMapOvr>
+  <p:timing>
+    <p:tnLst>
+      <p:par>
+        <p:cTn id="1" dur="indefinite" restart="never" nodeType="tmRoot"/>
+      </p:par>
+    </p:tnLst>
+  </p:timing>
 </p:sld>
 </file>
 
@@ -4458,6 +4479,13 @@
   <p:clrMapOvr>
     <a:masterClrMapping/>
   </p:clrMapOvr>
+  <p:timing>
+    <p:tnLst>
+      <p:par>
+        <p:cTn id="1" dur="indefinite" restart="never" nodeType="tmRoot"/>
+      </p:par>
+    </p:tnLst>
+  </p:timing>
 </p:sld>
 </file>
 
@@ -4794,6 +4822,13 @@
   <p:clrMapOvr>
     <a:masterClrMapping/>
   </p:clrMapOvr>
+  <p:timing>
+    <p:tnLst>
+      <p:par>
+        <p:cTn id="1" dur="indefinite" restart="never" nodeType="tmRoot"/>
+      </p:par>
+    </p:tnLst>
+  </p:timing>
 </p:sld>
 </file>
 
@@ -4936,6 +4971,13 @@
   <p:clrMapOvr>
     <a:masterClrMapping/>
   </p:clrMapOvr>
+  <p:timing>
+    <p:tnLst>
+      <p:par>
+        <p:cTn id="1" dur="indefinite" restart="never" nodeType="tmRoot"/>
+      </p:par>
+    </p:tnLst>
+  </p:timing>
 </p:sld>
 </file>
 
@@ -5009,9 +5051,10 @@
           <a:p>
             <a:pPr lvl="1"/>
             <a:r>
-              <a:rPr lang="fr-FR" dirty="0"/>
-              <a:t>KVM</a:t>
-            </a:r>
+              <a:rPr lang="fr-FR" dirty="0" smtClean="0"/>
+              <a:t>SVM</a:t>
+            </a:r>
+            <a:endParaRPr lang="fr-FR" dirty="0"/>
           </a:p>
           <a:p>
             <a:pPr lvl="1"/>
@@ -5032,6 +5075,13 @@
   <p:clrMapOvr>
     <a:masterClrMapping/>
   </p:clrMapOvr>
+  <p:timing>
+    <p:tnLst>
+      <p:par>
+        <p:cTn id="1" dur="indefinite" restart="never" nodeType="tmRoot"/>
+      </p:par>
+    </p:tnLst>
+  </p:timing>
 </p:sld>
 </file>
 
@@ -5140,6 +5190,13 @@
   <p:clrMapOvr>
     <a:masterClrMapping/>
   </p:clrMapOvr>
+  <p:timing>
+    <p:tnLst>
+      <p:par>
+        <p:cTn id="1" dur="indefinite" restart="never" nodeType="tmRoot"/>
+      </p:par>
+    </p:tnLst>
+  </p:timing>
 </p:sld>
 </file>
 
@@ -5271,6 +5328,13 @@
   <p:clrMapOvr>
     <a:masterClrMapping/>
   </p:clrMapOvr>
+  <p:timing>
+    <p:tnLst>
+      <p:par>
+        <p:cTn id="1" dur="indefinite" restart="never" nodeType="tmRoot"/>
+      </p:par>
+    </p:tnLst>
+  </p:timing>
 </p:sld>
 </file>
 
@@ -5370,6 +5434,13 @@
   <p:clrMapOvr>
     <a:masterClrMapping/>
   </p:clrMapOvr>
+  <p:timing>
+    <p:tnLst>
+      <p:par>
+        <p:cTn id="1" dur="indefinite" restart="never" nodeType="tmRoot"/>
+      </p:par>
+    </p:tnLst>
+  </p:timing>
 </p:sld>
 </file>
 
@@ -5509,6 +5580,13 @@
   <p:clrMapOvr>
     <a:masterClrMapping/>
   </p:clrMapOvr>
+  <p:timing>
+    <p:tnLst>
+      <p:par>
+        <p:cTn id="1" dur="indefinite" restart="never" nodeType="tmRoot"/>
+      </p:par>
+    </p:tnLst>
+  </p:timing>
 </p:sld>
 </file>
 
@@ -5621,6 +5699,13 @@
   <p:clrMapOvr>
     <a:masterClrMapping/>
   </p:clrMapOvr>
+  <p:timing>
+    <p:tnLst>
+      <p:par>
+        <p:cTn id="1" dur="indefinite" restart="never" nodeType="tmRoot"/>
+      </p:par>
+    </p:tnLst>
+  </p:timing>
 </p:sld>
 </file>
 
@@ -5740,6 +5825,13 @@
   <p:clrMapOvr>
     <a:masterClrMapping/>
   </p:clrMapOvr>
+  <p:timing>
+    <p:tnLst>
+      <p:par>
+        <p:cTn id="1" dur="indefinite" restart="never" nodeType="tmRoot"/>
+      </p:par>
+    </p:tnLst>
+  </p:timing>
 </p:sld>
 </file>
 
@@ -5838,6 +5930,13 @@
   <p:clrMapOvr>
     <a:masterClrMapping/>
   </p:clrMapOvr>
+  <p:timing>
+    <p:tnLst>
+      <p:par>
+        <p:cTn id="1" dur="indefinite" restart="never" nodeType="tmRoot"/>
+      </p:par>
+    </p:tnLst>
+  </p:timing>
 </p:sld>
 </file>
 

--- a/PPT/MachineLearning15-RandomForest.pptx
+++ b/PPT/MachineLearning15-RandomForest.pptx
@@ -3691,7 +3691,15 @@
             <a:pPr eaLnBrk="1" hangingPunct="1"/>
             <a:r>
               <a:rPr lang="fr-FR" altLang="fr-FR" dirty="0" err="1"/>
-              <a:t>RandomForest</a:t>
+              <a:t>Random</a:t>
+            </a:r>
+            <a:r>
+              <a:rPr lang="fr-FR" altLang="fr-FR" dirty="0"/>
+              <a:t> </a:t>
+            </a:r>
+            <a:r>
+              <a:rPr lang="fr-FR" altLang="fr-FR"/>
+              <a:t>Forests</a:t>
             </a:r>
             <a:endParaRPr lang="fr-FR" altLang="fr-FR" dirty="0"/>
           </a:p>
@@ -3779,13 +3787,6 @@
   <p:clrMapOvr>
     <a:masterClrMapping/>
   </p:clrMapOvr>
-  <p:timing>
-    <p:tnLst>
-      <p:par>
-        <p:cTn id="1" dur="indefinite" restart="never" nodeType="tmRoot"/>
-      </p:par>
-    </p:tnLst>
-  </p:timing>
 </p:sld>
 </file>
 
@@ -3897,13 +3898,6 @@
   <p:clrMapOvr>
     <a:masterClrMapping/>
   </p:clrMapOvr>
-  <p:timing>
-    <p:tnLst>
-      <p:par>
-        <p:cTn id="1" dur="indefinite" restart="never" nodeType="tmRoot"/>
-      </p:par>
-    </p:tnLst>
-  </p:timing>
 </p:sld>
 </file>
 
@@ -4346,13 +4340,6 @@
   <p:clrMapOvr>
     <a:masterClrMapping/>
   </p:clrMapOvr>
-  <p:timing>
-    <p:tnLst>
-      <p:par>
-        <p:cTn id="1" dur="indefinite" restart="never" nodeType="tmRoot"/>
-      </p:par>
-    </p:tnLst>
-  </p:timing>
 </p:sld>
 </file>
 
@@ -4479,13 +4466,6 @@
   <p:clrMapOvr>
     <a:masterClrMapping/>
   </p:clrMapOvr>
-  <p:timing>
-    <p:tnLst>
-      <p:par>
-        <p:cTn id="1" dur="indefinite" restart="never" nodeType="tmRoot"/>
-      </p:par>
-    </p:tnLst>
-  </p:timing>
 </p:sld>
 </file>
 
@@ -4822,13 +4802,6 @@
   <p:clrMapOvr>
     <a:masterClrMapping/>
   </p:clrMapOvr>
-  <p:timing>
-    <p:tnLst>
-      <p:par>
-        <p:cTn id="1" dur="indefinite" restart="never" nodeType="tmRoot"/>
-      </p:par>
-    </p:tnLst>
-  </p:timing>
 </p:sld>
 </file>
 
@@ -4971,13 +4944,6 @@
   <p:clrMapOvr>
     <a:masterClrMapping/>
   </p:clrMapOvr>
-  <p:timing>
-    <p:tnLst>
-      <p:par>
-        <p:cTn id="1" dur="indefinite" restart="never" nodeType="tmRoot"/>
-      </p:par>
-    </p:tnLst>
-  </p:timing>
 </p:sld>
 </file>
 
@@ -5051,10 +5017,9 @@
           <a:p>
             <a:pPr lvl="1"/>
             <a:r>
-              <a:rPr lang="fr-FR" dirty="0" smtClean="0"/>
+              <a:rPr lang="fr-FR" dirty="0"/>
               <a:t>SVM</a:t>
             </a:r>
-            <a:endParaRPr lang="fr-FR" dirty="0"/>
           </a:p>
           <a:p>
             <a:pPr lvl="1"/>
@@ -5075,13 +5040,6 @@
   <p:clrMapOvr>
     <a:masterClrMapping/>
   </p:clrMapOvr>
-  <p:timing>
-    <p:tnLst>
-      <p:par>
-        <p:cTn id="1" dur="indefinite" restart="never" nodeType="tmRoot"/>
-      </p:par>
-    </p:tnLst>
-  </p:timing>
 </p:sld>
 </file>
 
@@ -5190,13 +5148,6 @@
   <p:clrMapOvr>
     <a:masterClrMapping/>
   </p:clrMapOvr>
-  <p:timing>
-    <p:tnLst>
-      <p:par>
-        <p:cTn id="1" dur="indefinite" restart="never" nodeType="tmRoot"/>
-      </p:par>
-    </p:tnLst>
-  </p:timing>
 </p:sld>
 </file>
 
@@ -5328,13 +5279,6 @@
   <p:clrMapOvr>
     <a:masterClrMapping/>
   </p:clrMapOvr>
-  <p:timing>
-    <p:tnLst>
-      <p:par>
-        <p:cTn id="1" dur="indefinite" restart="never" nodeType="tmRoot"/>
-      </p:par>
-    </p:tnLst>
-  </p:timing>
 </p:sld>
 </file>
 
@@ -5434,13 +5378,6 @@
   <p:clrMapOvr>
     <a:masterClrMapping/>
   </p:clrMapOvr>
-  <p:timing>
-    <p:tnLst>
-      <p:par>
-        <p:cTn id="1" dur="indefinite" restart="never" nodeType="tmRoot"/>
-      </p:par>
-    </p:tnLst>
-  </p:timing>
 </p:sld>
 </file>
 
@@ -5580,13 +5517,6 @@
   <p:clrMapOvr>
     <a:masterClrMapping/>
   </p:clrMapOvr>
-  <p:timing>
-    <p:tnLst>
-      <p:par>
-        <p:cTn id="1" dur="indefinite" restart="never" nodeType="tmRoot"/>
-      </p:par>
-    </p:tnLst>
-  </p:timing>
 </p:sld>
 </file>
 
@@ -5699,13 +5629,6 @@
   <p:clrMapOvr>
     <a:masterClrMapping/>
   </p:clrMapOvr>
-  <p:timing>
-    <p:tnLst>
-      <p:par>
-        <p:cTn id="1" dur="indefinite" restart="never" nodeType="tmRoot"/>
-      </p:par>
-    </p:tnLst>
-  </p:timing>
 </p:sld>
 </file>
 
@@ -5825,13 +5748,6 @@
   <p:clrMapOvr>
     <a:masterClrMapping/>
   </p:clrMapOvr>
-  <p:timing>
-    <p:tnLst>
-      <p:par>
-        <p:cTn id="1" dur="indefinite" restart="never" nodeType="tmRoot"/>
-      </p:par>
-    </p:tnLst>
-  </p:timing>
 </p:sld>
 </file>
 
@@ -5930,13 +5846,6 @@
   <p:clrMapOvr>
     <a:masterClrMapping/>
   </p:clrMapOvr>
-  <p:timing>
-    <p:tnLst>
-      <p:par>
-        <p:cTn id="1" dur="indefinite" restart="never" nodeType="tmRoot"/>
-      </p:par>
-    </p:tnLst>
-  </p:timing>
 </p:sld>
 </file>
 

--- a/PPT/MachineLearning15-RandomForest.pptx
+++ b/PPT/MachineLearning15-RandomForest.pptx
@@ -3698,7 +3698,7 @@
               <a:t> </a:t>
             </a:r>
             <a:r>
-              <a:rPr lang="fr-FR" altLang="fr-FR"/>
+              <a:rPr lang="fr-FR" altLang="fr-FR" dirty="0" err="1"/>
               <a:t>Forests</a:t>
             </a:r>
             <a:endParaRPr lang="fr-FR" altLang="fr-FR" dirty="0"/>
